--- a/Dotnet_framework.pptx
+++ b/Dotnet_framework.pptx
@@ -7,6 +7,9 @@
   <p:sldIdLst>
     <p:sldId id="256" r:id="rId2"/>
     <p:sldId id="257" r:id="rId3"/>
+    <p:sldId id="258" r:id="rId4"/>
+    <p:sldId id="259" r:id="rId5"/>
+    <p:sldId id="260" r:id="rId6"/>
   </p:sldIdLst>
   <p:sldSz cx="9144000" cy="6858000" type="screen4x3"/>
   <p:notesSz cx="6858000" cy="9144000"/>
@@ -289,7 +292,7 @@
           <a:p>
             <a:fld id="{8A1A7000-88B5-4B85-81D3-0CCD483342B3}" type="datetimeFigureOut">
               <a:rPr lang="en-US" smtClean="0"/>
-              <a:t>8/18/2020</a:t>
+              <a:t>8/19/2020</a:t>
             </a:fld>
             <a:endParaRPr lang="en-US"/>
           </a:p>
@@ -459,7 +462,7 @@
           <a:p>
             <a:fld id="{8A1A7000-88B5-4B85-81D3-0CCD483342B3}" type="datetimeFigureOut">
               <a:rPr lang="en-US" smtClean="0"/>
-              <a:t>8/18/2020</a:t>
+              <a:t>8/19/2020</a:t>
             </a:fld>
             <a:endParaRPr lang="en-US"/>
           </a:p>
@@ -639,7 +642,7 @@
           <a:p>
             <a:fld id="{8A1A7000-88B5-4B85-81D3-0CCD483342B3}" type="datetimeFigureOut">
               <a:rPr lang="en-US" smtClean="0"/>
-              <a:t>8/18/2020</a:t>
+              <a:t>8/19/2020</a:t>
             </a:fld>
             <a:endParaRPr lang="en-US"/>
           </a:p>
@@ -809,7 +812,7 @@
           <a:p>
             <a:fld id="{8A1A7000-88B5-4B85-81D3-0CCD483342B3}" type="datetimeFigureOut">
               <a:rPr lang="en-US" smtClean="0"/>
-              <a:t>8/18/2020</a:t>
+              <a:t>8/19/2020</a:t>
             </a:fld>
             <a:endParaRPr lang="en-US"/>
           </a:p>
@@ -1055,7 +1058,7 @@
           <a:p>
             <a:fld id="{8A1A7000-88B5-4B85-81D3-0CCD483342B3}" type="datetimeFigureOut">
               <a:rPr lang="en-US" smtClean="0"/>
-              <a:t>8/18/2020</a:t>
+              <a:t>8/19/2020</a:t>
             </a:fld>
             <a:endParaRPr lang="en-US"/>
           </a:p>
@@ -1343,7 +1346,7 @@
           <a:p>
             <a:fld id="{8A1A7000-88B5-4B85-81D3-0CCD483342B3}" type="datetimeFigureOut">
               <a:rPr lang="en-US" smtClean="0"/>
-              <a:t>8/18/2020</a:t>
+              <a:t>8/19/2020</a:t>
             </a:fld>
             <a:endParaRPr lang="en-US"/>
           </a:p>
@@ -1765,7 +1768,7 @@
           <a:p>
             <a:fld id="{8A1A7000-88B5-4B85-81D3-0CCD483342B3}" type="datetimeFigureOut">
               <a:rPr lang="en-US" smtClean="0"/>
-              <a:t>8/18/2020</a:t>
+              <a:t>8/19/2020</a:t>
             </a:fld>
             <a:endParaRPr lang="en-US"/>
           </a:p>
@@ -1883,7 +1886,7 @@
           <a:p>
             <a:fld id="{8A1A7000-88B5-4B85-81D3-0CCD483342B3}" type="datetimeFigureOut">
               <a:rPr lang="en-US" smtClean="0"/>
-              <a:t>8/18/2020</a:t>
+              <a:t>8/19/2020</a:t>
             </a:fld>
             <a:endParaRPr lang="en-US"/>
           </a:p>
@@ -1978,7 +1981,7 @@
           <a:p>
             <a:fld id="{8A1A7000-88B5-4B85-81D3-0CCD483342B3}" type="datetimeFigureOut">
               <a:rPr lang="en-US" smtClean="0"/>
-              <a:t>8/18/2020</a:t>
+              <a:t>8/19/2020</a:t>
             </a:fld>
             <a:endParaRPr lang="en-US"/>
           </a:p>
@@ -2255,7 +2258,7 @@
           <a:p>
             <a:fld id="{8A1A7000-88B5-4B85-81D3-0CCD483342B3}" type="datetimeFigureOut">
               <a:rPr lang="en-US" smtClean="0"/>
-              <a:t>8/18/2020</a:t>
+              <a:t>8/19/2020</a:t>
             </a:fld>
             <a:endParaRPr lang="en-US"/>
           </a:p>
@@ -2508,7 +2511,7 @@
           <a:p>
             <a:fld id="{8A1A7000-88B5-4B85-81D3-0CCD483342B3}" type="datetimeFigureOut">
               <a:rPr lang="en-US" smtClean="0"/>
-              <a:t>8/18/2020</a:t>
+              <a:t>8/19/2020</a:t>
             </a:fld>
             <a:endParaRPr lang="en-US"/>
           </a:p>
@@ -2721,7 +2724,7 @@
           <a:p>
             <a:fld id="{8A1A7000-88B5-4B85-81D3-0CCD483342B3}" type="datetimeFigureOut">
               <a:rPr lang="en-US" smtClean="0"/>
-              <a:t>8/18/2020</a:t>
+              <a:t>8/19/2020</a:t>
             </a:fld>
             <a:endParaRPr lang="en-US"/>
           </a:p>
@@ -3263,6 +3266,323 @@
 </p:sld>
 </file>
 
+<file path=ppt/slides/slide3.xml><?xml version="1.0" encoding="utf-8"?>
+<p:sld xmlns:a="http://schemas.openxmlformats.org/drawingml/2006/main" xmlns:r="http://schemas.openxmlformats.org/officeDocument/2006/relationships" xmlns:p="http://schemas.openxmlformats.org/presentationml/2006/main">
+  <p:cSld>
+    <p:spTree>
+      <p:nvGrpSpPr>
+        <p:cNvPr id="1" name=""/>
+        <p:cNvGrpSpPr/>
+        <p:nvPr/>
+      </p:nvGrpSpPr>
+      <p:grpSpPr>
+        <a:xfrm>
+          <a:off x="0" y="0"/>
+          <a:ext cx="0" cy="0"/>
+          <a:chOff x="0" y="0"/>
+          <a:chExt cx="0" cy="0"/>
+        </a:xfrm>
+      </p:grpSpPr>
+      <p:pic>
+        <p:nvPicPr>
+          <p:cNvPr id="1026" name="Picture 2"/>
+          <p:cNvPicPr>
+            <a:picLocks noChangeAspect="1" noChangeArrowheads="1"/>
+          </p:cNvPicPr>
+          <p:nvPr/>
+        </p:nvPicPr>
+        <p:blipFill>
+          <a:blip r:embed="rId2">
+            <a:extLst>
+              <a:ext uri="{28A0092B-C50C-407E-A947-70E740481C1C}">
+                <a14:useLocalDpi xmlns:a14="http://schemas.microsoft.com/office/drawing/2010/main" val="0"/>
+              </a:ext>
+            </a:extLst>
+          </a:blip>
+          <a:srcRect/>
+          <a:stretch>
+            <a:fillRect/>
+          </a:stretch>
+        </p:blipFill>
+        <p:spPr bwMode="auto">
+          <a:xfrm>
+            <a:off x="1038225" y="1362075"/>
+            <a:ext cx="7067550" cy="4133850"/>
+          </a:xfrm>
+          <a:prstGeom prst="rect">
+            <a:avLst/>
+          </a:prstGeom>
+          <a:noFill/>
+          <a:ln>
+            <a:noFill/>
+          </a:ln>
+          <a:extLst>
+            <a:ext uri="{909E8E84-426E-40DD-AFC4-6F175D3DCCD1}">
+              <a14:hiddenFill xmlns:a14="http://schemas.microsoft.com/office/drawing/2010/main">
+                <a:solidFill>
+                  <a:schemeClr val="accent1"/>
+                </a:solidFill>
+              </a14:hiddenFill>
+            </a:ext>
+            <a:ext uri="{91240B29-F687-4F45-9708-019B960494DF}">
+              <a14:hiddenLine xmlns:a14="http://schemas.microsoft.com/office/drawing/2010/main" w="9525">
+                <a:solidFill>
+                  <a:schemeClr val="tx1"/>
+                </a:solidFill>
+                <a:miter lim="800000"/>
+                <a:headEnd/>
+                <a:tailEnd/>
+              </a14:hiddenLine>
+            </a:ext>
+          </a:extLst>
+        </p:spPr>
+      </p:pic>
+    </p:spTree>
+    <p:extLst>
+      <p:ext uri="{BB962C8B-B14F-4D97-AF65-F5344CB8AC3E}">
+        <p14:creationId xmlns:p14="http://schemas.microsoft.com/office/powerpoint/2010/main" val="1610010436"/>
+      </p:ext>
+    </p:extLst>
+  </p:cSld>
+  <p:clrMapOvr>
+    <a:masterClrMapping/>
+  </p:clrMapOvr>
+</p:sld>
+</file>
+
+<file path=ppt/slides/slide4.xml><?xml version="1.0" encoding="utf-8"?>
+<p:sld xmlns:a="http://schemas.openxmlformats.org/drawingml/2006/main" xmlns:r="http://schemas.openxmlformats.org/officeDocument/2006/relationships" xmlns:p="http://schemas.openxmlformats.org/presentationml/2006/main">
+  <p:cSld>
+    <p:spTree>
+      <p:nvGrpSpPr>
+        <p:cNvPr id="1" name=""/>
+        <p:cNvGrpSpPr/>
+        <p:nvPr/>
+      </p:nvGrpSpPr>
+      <p:grpSpPr>
+        <a:xfrm>
+          <a:off x="0" y="0"/>
+          <a:ext cx="0" cy="0"/>
+          <a:chOff x="0" y="0"/>
+          <a:chExt cx="0" cy="0"/>
+        </a:xfrm>
+      </p:grpSpPr>
+      <p:sp>
+        <p:nvSpPr>
+          <p:cNvPr id="2" name="Rectangle 1"/>
+          <p:cNvSpPr/>
+          <p:nvPr/>
+        </p:nvSpPr>
+        <p:spPr>
+          <a:xfrm>
+            <a:off x="304800" y="1066800"/>
+            <a:ext cx="8610600" cy="4893647"/>
+          </a:xfrm>
+          <a:prstGeom prst="rect">
+            <a:avLst/>
+          </a:prstGeom>
+        </p:spPr>
+        <p:txBody>
+          <a:bodyPr wrap="square">
+            <a:spAutoFit/>
+          </a:bodyPr>
+          <a:lstStyle/>
+          <a:p>
+            <a:r>
+              <a:rPr lang="en-US" sz="2400" dirty="0"/>
+              <a:t>Primitive Data Type,</a:t>
+            </a:r>
+          </a:p>
+          <a:p>
+            <a:pPr marL="342900" indent="-342900">
+              <a:buFont typeface="Arial" panose="020B0604020202020204" pitchFamily="34" charset="0"/>
+              <a:buChar char="•"/>
+            </a:pPr>
+            <a:r>
+              <a:rPr lang="en-US" sz="2400" dirty="0"/>
+              <a:t>A primitive data type is one that fits the base architecture of the underlying computer such as </a:t>
+            </a:r>
+            <a:r>
+              <a:rPr lang="en-US" sz="2400" dirty="0" err="1"/>
+              <a:t>int</a:t>
+            </a:r>
+            <a:r>
+              <a:rPr lang="en-US" sz="2400" dirty="0"/>
+              <a:t>, float, and pointer, and all of the variations, thereof such as char short long unsigned float double and </a:t>
+            </a:r>
+            <a:r>
+              <a:rPr lang="en-US" sz="2400" dirty="0" err="1"/>
+              <a:t>etc</a:t>
+            </a:r>
+            <a:r>
+              <a:rPr lang="en-US" sz="2400" dirty="0"/>
+              <a:t>, are a primitive data type.</a:t>
+            </a:r>
+          </a:p>
+          <a:p>
+            <a:pPr marL="342900" indent="-342900">
+              <a:buFont typeface="Arial" panose="020B0604020202020204" pitchFamily="34" charset="0"/>
+              <a:buChar char="•"/>
+            </a:pPr>
+            <a:r>
+              <a:rPr lang="en-US" sz="2400" dirty="0"/>
+              <a:t>Primitive data are only single values, they have not special capabilities.</a:t>
+            </a:r>
+          </a:p>
+          <a:p>
+            <a:pPr marL="342900" indent="-342900">
+              <a:buFont typeface="Arial" panose="020B0604020202020204" pitchFamily="34" charset="0"/>
+              <a:buChar char="•"/>
+            </a:pPr>
+            <a:r>
+              <a:rPr lang="en-US" sz="2400" dirty="0"/>
+              <a:t>The examples of Primitive data types are given byte, short, </a:t>
+            </a:r>
+            <a:r>
+              <a:rPr lang="en-US" sz="2400" dirty="0" err="1"/>
+              <a:t>int</a:t>
+            </a:r>
+            <a:r>
+              <a:rPr lang="en-US" sz="2400" dirty="0"/>
+              <a:t>, long, float, double, char etc.</a:t>
+            </a:r>
+          </a:p>
+          <a:p>
+            <a:pPr marL="342900" indent="-342900">
+              <a:buFont typeface="Arial" panose="020B0604020202020204" pitchFamily="34" charset="0"/>
+              <a:buChar char="•"/>
+            </a:pPr>
+            <a:r>
+              <a:rPr lang="en-US" sz="2400" dirty="0"/>
+              <a:t>The integer reals, logic data character data pointer, and reference are primitive data structures data structure that normally is directly operated upon by machine-level instructions are known as the primitive structure and data type</a:t>
+            </a:r>
+            <a:r>
+              <a:rPr lang="en-US" sz="2400" dirty="0" smtClean="0"/>
+              <a:t>.</a:t>
+            </a:r>
+            <a:endParaRPr lang="en-US" sz="2400" dirty="0"/>
+          </a:p>
+        </p:txBody>
+      </p:sp>
+    </p:spTree>
+    <p:extLst>
+      <p:ext uri="{BB962C8B-B14F-4D97-AF65-F5344CB8AC3E}">
+        <p14:creationId xmlns:p14="http://schemas.microsoft.com/office/powerpoint/2010/main" val="373193274"/>
+      </p:ext>
+    </p:extLst>
+  </p:cSld>
+  <p:clrMapOvr>
+    <a:masterClrMapping/>
+  </p:clrMapOvr>
+</p:sld>
+</file>
+
+<file path=ppt/slides/slide5.xml><?xml version="1.0" encoding="utf-8"?>
+<p:sld xmlns:a="http://schemas.openxmlformats.org/drawingml/2006/main" xmlns:r="http://schemas.openxmlformats.org/officeDocument/2006/relationships" xmlns:p="http://schemas.openxmlformats.org/presentationml/2006/main">
+  <p:cSld>
+    <p:spTree>
+      <p:nvGrpSpPr>
+        <p:cNvPr id="1" name=""/>
+        <p:cNvGrpSpPr/>
+        <p:nvPr/>
+      </p:nvGrpSpPr>
+      <p:grpSpPr>
+        <a:xfrm>
+          <a:off x="0" y="0"/>
+          <a:ext cx="0" cy="0"/>
+          <a:chOff x="0" y="0"/>
+          <a:chExt cx="0" cy="0"/>
+        </a:xfrm>
+      </p:grpSpPr>
+      <p:sp>
+        <p:nvSpPr>
+          <p:cNvPr id="2" name="Rectangle 1"/>
+          <p:cNvSpPr/>
+          <p:nvPr/>
+        </p:nvSpPr>
+        <p:spPr>
+          <a:xfrm>
+            <a:off x="304800" y="304800"/>
+            <a:ext cx="8610600" cy="3416320"/>
+          </a:xfrm>
+          <a:prstGeom prst="rect">
+            <a:avLst/>
+          </a:prstGeom>
+        </p:spPr>
+        <p:txBody>
+          <a:bodyPr wrap="square">
+            <a:spAutoFit/>
+          </a:bodyPr>
+          <a:lstStyle/>
+          <a:p>
+            <a:r>
+              <a:rPr lang="en-US" sz="2400" dirty="0"/>
+              <a:t>Non- Primitive Data Type,</a:t>
+            </a:r>
+          </a:p>
+          <a:p>
+            <a:pPr marL="457200" indent="-457200">
+              <a:buFont typeface="Arial" panose="020B0604020202020204" pitchFamily="34" charset="0"/>
+              <a:buChar char="•"/>
+            </a:pPr>
+            <a:r>
+              <a:rPr lang="en-US" sz="2400" dirty="0"/>
+              <a:t>A non-primitive data type is something else such as an array structure or class is known as the non-primitive data type.</a:t>
+            </a:r>
+          </a:p>
+          <a:p>
+            <a:pPr marL="342900" indent="-342900">
+              <a:buFont typeface="Arial" panose="020B0604020202020204" pitchFamily="34" charset="0"/>
+              <a:buChar char="•"/>
+            </a:pPr>
+            <a:r>
+              <a:rPr lang="en-US" sz="2400" dirty="0"/>
+              <a:t>The data type that is derived from primary data types is known as a non-primitive data type.</a:t>
+            </a:r>
+          </a:p>
+          <a:p>
+            <a:pPr marL="342900" indent="-342900">
+              <a:buFont typeface="Arial" panose="020B0604020202020204" pitchFamily="34" charset="0"/>
+              <a:buChar char="•"/>
+            </a:pPr>
+            <a:r>
+              <a:rPr lang="en-US" sz="2400" dirty="0"/>
+              <a:t>The non-primitive data types are used to store the group of values.</a:t>
+            </a:r>
+          </a:p>
+          <a:p>
+            <a:pPr marL="342900" indent="-342900">
+              <a:buFont typeface="Arial" panose="020B0604020202020204" pitchFamily="34" charset="0"/>
+              <a:buChar char="•"/>
+            </a:pPr>
+            <a:r>
+              <a:rPr lang="en-US" sz="2400" dirty="0"/>
+              <a:t>Examples of the non-primitive data types are Array, structure, union, link list, stacks, queue </a:t>
+            </a:r>
+            <a:r>
+              <a:rPr lang="en-US" sz="2400" dirty="0" err="1"/>
+              <a:t>etc</a:t>
+            </a:r>
+            <a:r>
+              <a:rPr lang="en-US" sz="2400" dirty="0"/>
+              <a:t>…</a:t>
+            </a:r>
+          </a:p>
+        </p:txBody>
+      </p:sp>
+    </p:spTree>
+    <p:extLst>
+      <p:ext uri="{BB962C8B-B14F-4D97-AF65-F5344CB8AC3E}">
+        <p14:creationId xmlns:p14="http://schemas.microsoft.com/office/powerpoint/2010/main" val="1040228494"/>
+      </p:ext>
+    </p:extLst>
+  </p:cSld>
+  <p:clrMapOvr>
+    <a:masterClrMapping/>
+  </p:clrMapOvr>
+</p:sld>
+</file>
+
 <file path=ppt/theme/theme1.xml><?xml version="1.0" encoding="utf-8"?>
 <a:theme xmlns:a="http://schemas.openxmlformats.org/drawingml/2006/main" name="Office Theme">
   <a:themeElements>

--- a/Dotnet_framework.pptx
+++ b/Dotnet_framework.pptx
@@ -10,6 +10,7 @@
     <p:sldId id="258" r:id="rId4"/>
     <p:sldId id="259" r:id="rId5"/>
     <p:sldId id="260" r:id="rId6"/>
+    <p:sldId id="261" r:id="rId7"/>
   </p:sldIdLst>
   <p:sldSz cx="9144000" cy="6858000" type="screen4x3"/>
   <p:notesSz cx="6858000" cy="9144000"/>
@@ -292,7 +293,7 @@
           <a:p>
             <a:fld id="{8A1A7000-88B5-4B85-81D3-0CCD483342B3}" type="datetimeFigureOut">
               <a:rPr lang="en-US" smtClean="0"/>
-              <a:t>8/19/2020</a:t>
+              <a:t>8/20/2020</a:t>
             </a:fld>
             <a:endParaRPr lang="en-US"/>
           </a:p>
@@ -462,7 +463,7 @@
           <a:p>
             <a:fld id="{8A1A7000-88B5-4B85-81D3-0CCD483342B3}" type="datetimeFigureOut">
               <a:rPr lang="en-US" smtClean="0"/>
-              <a:t>8/19/2020</a:t>
+              <a:t>8/20/2020</a:t>
             </a:fld>
             <a:endParaRPr lang="en-US"/>
           </a:p>
@@ -642,7 +643,7 @@
           <a:p>
             <a:fld id="{8A1A7000-88B5-4B85-81D3-0CCD483342B3}" type="datetimeFigureOut">
               <a:rPr lang="en-US" smtClean="0"/>
-              <a:t>8/19/2020</a:t>
+              <a:t>8/20/2020</a:t>
             </a:fld>
             <a:endParaRPr lang="en-US"/>
           </a:p>
@@ -812,7 +813,7 @@
           <a:p>
             <a:fld id="{8A1A7000-88B5-4B85-81D3-0CCD483342B3}" type="datetimeFigureOut">
               <a:rPr lang="en-US" smtClean="0"/>
-              <a:t>8/19/2020</a:t>
+              <a:t>8/20/2020</a:t>
             </a:fld>
             <a:endParaRPr lang="en-US"/>
           </a:p>
@@ -1058,7 +1059,7 @@
           <a:p>
             <a:fld id="{8A1A7000-88B5-4B85-81D3-0CCD483342B3}" type="datetimeFigureOut">
               <a:rPr lang="en-US" smtClean="0"/>
-              <a:t>8/19/2020</a:t>
+              <a:t>8/20/2020</a:t>
             </a:fld>
             <a:endParaRPr lang="en-US"/>
           </a:p>
@@ -1346,7 +1347,7 @@
           <a:p>
             <a:fld id="{8A1A7000-88B5-4B85-81D3-0CCD483342B3}" type="datetimeFigureOut">
               <a:rPr lang="en-US" smtClean="0"/>
-              <a:t>8/19/2020</a:t>
+              <a:t>8/20/2020</a:t>
             </a:fld>
             <a:endParaRPr lang="en-US"/>
           </a:p>
@@ -1768,7 +1769,7 @@
           <a:p>
             <a:fld id="{8A1A7000-88B5-4B85-81D3-0CCD483342B3}" type="datetimeFigureOut">
               <a:rPr lang="en-US" smtClean="0"/>
-              <a:t>8/19/2020</a:t>
+              <a:t>8/20/2020</a:t>
             </a:fld>
             <a:endParaRPr lang="en-US"/>
           </a:p>
@@ -1886,7 +1887,7 @@
           <a:p>
             <a:fld id="{8A1A7000-88B5-4B85-81D3-0CCD483342B3}" type="datetimeFigureOut">
               <a:rPr lang="en-US" smtClean="0"/>
-              <a:t>8/19/2020</a:t>
+              <a:t>8/20/2020</a:t>
             </a:fld>
             <a:endParaRPr lang="en-US"/>
           </a:p>
@@ -1981,7 +1982,7 @@
           <a:p>
             <a:fld id="{8A1A7000-88B5-4B85-81D3-0CCD483342B3}" type="datetimeFigureOut">
               <a:rPr lang="en-US" smtClean="0"/>
-              <a:t>8/19/2020</a:t>
+              <a:t>8/20/2020</a:t>
             </a:fld>
             <a:endParaRPr lang="en-US"/>
           </a:p>
@@ -2258,7 +2259,7 @@
           <a:p>
             <a:fld id="{8A1A7000-88B5-4B85-81D3-0CCD483342B3}" type="datetimeFigureOut">
               <a:rPr lang="en-US" smtClean="0"/>
-              <a:t>8/19/2020</a:t>
+              <a:t>8/20/2020</a:t>
             </a:fld>
             <a:endParaRPr lang="en-US"/>
           </a:p>
@@ -2511,7 +2512,7 @@
           <a:p>
             <a:fld id="{8A1A7000-88B5-4B85-81D3-0CCD483342B3}" type="datetimeFigureOut">
               <a:rPr lang="en-US" smtClean="0"/>
-              <a:t>8/19/2020</a:t>
+              <a:t>8/20/2020</a:t>
             </a:fld>
             <a:endParaRPr lang="en-US"/>
           </a:p>
@@ -2724,7 +2725,7 @@
           <a:p>
             <a:fld id="{8A1A7000-88B5-4B85-81D3-0CCD483342B3}" type="datetimeFigureOut">
               <a:rPr lang="en-US" smtClean="0"/>
-              <a:t>8/19/2020</a:t>
+              <a:t>8/20/2020</a:t>
             </a:fld>
             <a:endParaRPr lang="en-US"/>
           </a:p>
@@ -3583,6 +3584,90 @@
 </p:sld>
 </file>
 
+<file path=ppt/slides/slide6.xml><?xml version="1.0" encoding="utf-8"?>
+<p:sld xmlns:a="http://schemas.openxmlformats.org/drawingml/2006/main" xmlns:r="http://schemas.openxmlformats.org/officeDocument/2006/relationships" xmlns:p="http://schemas.openxmlformats.org/presentationml/2006/main">
+  <p:cSld>
+    <p:spTree>
+      <p:nvGrpSpPr>
+        <p:cNvPr id="1" name=""/>
+        <p:cNvGrpSpPr/>
+        <p:nvPr/>
+      </p:nvGrpSpPr>
+      <p:grpSpPr>
+        <a:xfrm>
+          <a:off x="0" y="0"/>
+          <a:ext cx="0" cy="0"/>
+          <a:chOff x="0" y="0"/>
+          <a:chExt cx="0" cy="0"/>
+        </a:xfrm>
+      </p:grpSpPr>
+      <p:pic>
+        <p:nvPicPr>
+          <p:cNvPr id="1026" name="Picture 2"/>
+          <p:cNvPicPr>
+            <a:picLocks noChangeAspect="1" noChangeArrowheads="1"/>
+          </p:cNvPicPr>
+          <p:nvPr/>
+        </p:nvPicPr>
+        <p:blipFill>
+          <a:blip r:embed="rId2">
+            <a:extLst>
+              <a:ext uri="{28A0092B-C50C-407E-A947-70E740481C1C}">
+                <a14:useLocalDpi xmlns:a14="http://schemas.microsoft.com/office/drawing/2010/main" val="0"/>
+              </a:ext>
+            </a:extLst>
+          </a:blip>
+          <a:srcRect/>
+          <a:stretch>
+            <a:fillRect/>
+          </a:stretch>
+        </p:blipFill>
+        <p:spPr bwMode="auto">
+          <a:xfrm>
+            <a:off x="-127820" y="381000"/>
+            <a:ext cx="9164649" cy="5943600"/>
+          </a:xfrm>
+          <a:prstGeom prst="rect">
+            <a:avLst/>
+          </a:prstGeom>
+          <a:noFill/>
+          <a:ln>
+            <a:noFill/>
+          </a:ln>
+          <a:extLst>
+            <a:ext uri="{909E8E84-426E-40DD-AFC4-6F175D3DCCD1}">
+              <a14:hiddenFill xmlns:a14="http://schemas.microsoft.com/office/drawing/2010/main">
+                <a:solidFill>
+                  <a:schemeClr val="accent1"/>
+                </a:solidFill>
+              </a14:hiddenFill>
+            </a:ext>
+            <a:ext uri="{91240B29-F687-4F45-9708-019B960494DF}">
+              <a14:hiddenLine xmlns:a14="http://schemas.microsoft.com/office/drawing/2010/main" w="9525">
+                <a:solidFill>
+                  <a:schemeClr val="tx1"/>
+                </a:solidFill>
+                <a:miter lim="800000"/>
+                <a:headEnd/>
+                <a:tailEnd/>
+              </a14:hiddenLine>
+            </a:ext>
+          </a:extLst>
+        </p:spPr>
+      </p:pic>
+    </p:spTree>
+    <p:extLst>
+      <p:ext uri="{BB962C8B-B14F-4D97-AF65-F5344CB8AC3E}">
+        <p14:creationId xmlns:p14="http://schemas.microsoft.com/office/powerpoint/2010/main" val="1357270092"/>
+      </p:ext>
+    </p:extLst>
+  </p:cSld>
+  <p:clrMapOvr>
+    <a:masterClrMapping/>
+  </p:clrMapOvr>
+</p:sld>
+</file>
+
 <file path=ppt/theme/theme1.xml><?xml version="1.0" encoding="utf-8"?>
 <a:theme xmlns:a="http://schemas.openxmlformats.org/drawingml/2006/main" name="Office Theme">
   <a:themeElements>

--- a/Dotnet_framework.pptx
+++ b/Dotnet_framework.pptx
@@ -10,7 +10,9 @@
     <p:sldId id="258" r:id="rId4"/>
     <p:sldId id="259" r:id="rId5"/>
     <p:sldId id="260" r:id="rId6"/>
-    <p:sldId id="261" r:id="rId7"/>
+    <p:sldId id="264" r:id="rId7"/>
+    <p:sldId id="265" r:id="rId8"/>
+    <p:sldId id="261" r:id="rId9"/>
   </p:sldIdLst>
   <p:sldSz cx="9144000" cy="6858000" type="screen4x3"/>
   <p:notesSz cx="6858000" cy="9144000"/>
@@ -293,7 +295,7 @@
           <a:p>
             <a:fld id="{8A1A7000-88B5-4B85-81D3-0CCD483342B3}" type="datetimeFigureOut">
               <a:rPr lang="en-US" smtClean="0"/>
-              <a:t>8/20/2020</a:t>
+              <a:t>8/21/2020</a:t>
             </a:fld>
             <a:endParaRPr lang="en-US"/>
           </a:p>
@@ -463,7 +465,7 @@
           <a:p>
             <a:fld id="{8A1A7000-88B5-4B85-81D3-0CCD483342B3}" type="datetimeFigureOut">
               <a:rPr lang="en-US" smtClean="0"/>
-              <a:t>8/20/2020</a:t>
+              <a:t>8/21/2020</a:t>
             </a:fld>
             <a:endParaRPr lang="en-US"/>
           </a:p>
@@ -643,7 +645,7 @@
           <a:p>
             <a:fld id="{8A1A7000-88B5-4B85-81D3-0CCD483342B3}" type="datetimeFigureOut">
               <a:rPr lang="en-US" smtClean="0"/>
-              <a:t>8/20/2020</a:t>
+              <a:t>8/21/2020</a:t>
             </a:fld>
             <a:endParaRPr lang="en-US"/>
           </a:p>
@@ -813,7 +815,7 @@
           <a:p>
             <a:fld id="{8A1A7000-88B5-4B85-81D3-0CCD483342B3}" type="datetimeFigureOut">
               <a:rPr lang="en-US" smtClean="0"/>
-              <a:t>8/20/2020</a:t>
+              <a:t>8/21/2020</a:t>
             </a:fld>
             <a:endParaRPr lang="en-US"/>
           </a:p>
@@ -1059,7 +1061,7 @@
           <a:p>
             <a:fld id="{8A1A7000-88B5-4B85-81D3-0CCD483342B3}" type="datetimeFigureOut">
               <a:rPr lang="en-US" smtClean="0"/>
-              <a:t>8/20/2020</a:t>
+              <a:t>8/21/2020</a:t>
             </a:fld>
             <a:endParaRPr lang="en-US"/>
           </a:p>
@@ -1347,7 +1349,7 @@
           <a:p>
             <a:fld id="{8A1A7000-88B5-4B85-81D3-0CCD483342B3}" type="datetimeFigureOut">
               <a:rPr lang="en-US" smtClean="0"/>
-              <a:t>8/20/2020</a:t>
+              <a:t>8/21/2020</a:t>
             </a:fld>
             <a:endParaRPr lang="en-US"/>
           </a:p>
@@ -1769,7 +1771,7 @@
           <a:p>
             <a:fld id="{8A1A7000-88B5-4B85-81D3-0CCD483342B3}" type="datetimeFigureOut">
               <a:rPr lang="en-US" smtClean="0"/>
-              <a:t>8/20/2020</a:t>
+              <a:t>8/21/2020</a:t>
             </a:fld>
             <a:endParaRPr lang="en-US"/>
           </a:p>
@@ -1887,7 +1889,7 @@
           <a:p>
             <a:fld id="{8A1A7000-88B5-4B85-81D3-0CCD483342B3}" type="datetimeFigureOut">
               <a:rPr lang="en-US" smtClean="0"/>
-              <a:t>8/20/2020</a:t>
+              <a:t>8/21/2020</a:t>
             </a:fld>
             <a:endParaRPr lang="en-US"/>
           </a:p>
@@ -1982,7 +1984,7 @@
           <a:p>
             <a:fld id="{8A1A7000-88B5-4B85-81D3-0CCD483342B3}" type="datetimeFigureOut">
               <a:rPr lang="en-US" smtClean="0"/>
-              <a:t>8/20/2020</a:t>
+              <a:t>8/21/2020</a:t>
             </a:fld>
             <a:endParaRPr lang="en-US"/>
           </a:p>
@@ -2259,7 +2261,7 @@
           <a:p>
             <a:fld id="{8A1A7000-88B5-4B85-81D3-0CCD483342B3}" type="datetimeFigureOut">
               <a:rPr lang="en-US" smtClean="0"/>
-              <a:t>8/20/2020</a:t>
+              <a:t>8/21/2020</a:t>
             </a:fld>
             <a:endParaRPr lang="en-US"/>
           </a:p>
@@ -2512,7 +2514,7 @@
           <a:p>
             <a:fld id="{8A1A7000-88B5-4B85-81D3-0CCD483342B3}" type="datetimeFigureOut">
               <a:rPr lang="en-US" smtClean="0"/>
-              <a:t>8/20/2020</a:t>
+              <a:t>8/21/2020</a:t>
             </a:fld>
             <a:endParaRPr lang="en-US"/>
           </a:p>
@@ -2725,7 +2727,7 @@
           <a:p>
             <a:fld id="{8A1A7000-88B5-4B85-81D3-0CCD483342B3}" type="datetimeFigureOut">
               <a:rPr lang="en-US" smtClean="0"/>
-              <a:t>8/20/2020</a:t>
+              <a:t>8/21/2020</a:t>
             </a:fld>
             <a:endParaRPr lang="en-US"/>
           </a:p>
@@ -3601,6 +3603,438 @@
           <a:chExt cx="0" cy="0"/>
         </a:xfrm>
       </p:grpSpPr>
+      <p:sp>
+        <p:nvSpPr>
+          <p:cNvPr id="2" name="Rectangle 1"/>
+          <p:cNvSpPr/>
+          <p:nvPr/>
+        </p:nvSpPr>
+        <p:spPr>
+          <a:xfrm>
+            <a:off x="533400" y="533400"/>
+            <a:ext cx="8382000" cy="6463308"/>
+          </a:xfrm>
+          <a:prstGeom prst="rect">
+            <a:avLst/>
+          </a:prstGeom>
+        </p:spPr>
+        <p:txBody>
+          <a:bodyPr wrap="square">
+            <a:spAutoFit/>
+          </a:bodyPr>
+          <a:lstStyle/>
+          <a:p>
+            <a:r>
+              <a:rPr lang="en-US" b="1" dirty="0"/>
+              <a:t>C# Exception handling</a:t>
+            </a:r>
+          </a:p>
+          <a:p>
+            <a:r>
+              <a:rPr lang="en-US" dirty="0"/>
+              <a:t>The C# language uses exceptions to handle errors and other exceptional events. </a:t>
+            </a:r>
+            <a:r>
+              <a:rPr lang="en-US" b="1" dirty="0"/>
+              <a:t>Exceptions</a:t>
+            </a:r>
+            <a:r>
+              <a:rPr lang="en-US" dirty="0"/>
+              <a:t> are the occurrence of some conditions that changes the normal flow of execution . </a:t>
+            </a:r>
+            <a:r>
+              <a:rPr lang="en-US" b="1" dirty="0"/>
+              <a:t>Exceptions</a:t>
+            </a:r>
+            <a:r>
+              <a:rPr lang="en-US" dirty="0"/>
+              <a:t> are occurred in situations like your program run out of the memory , file does not exist in the given path , network connections are dropped etc. More specifically for better understanding , we can say it as </a:t>
+            </a:r>
+            <a:r>
+              <a:rPr lang="en-US" b="1" dirty="0"/>
+              <a:t>Runtime Errors</a:t>
+            </a:r>
+            <a:r>
+              <a:rPr lang="en-US" dirty="0"/>
+              <a:t> occurs during the execution of a program that disrupts the normal flow of instructions</a:t>
+            </a:r>
+            <a:r>
+              <a:rPr lang="en-US" dirty="0" smtClean="0"/>
+              <a:t>.</a:t>
+            </a:r>
+          </a:p>
+          <a:p>
+            <a:endParaRPr lang="en-US" dirty="0"/>
+          </a:p>
+          <a:p>
+            <a:r>
+              <a:rPr lang="en-US" b="1" dirty="0"/>
+              <a:t>The Anatomy of C# Exceptions</a:t>
+            </a:r>
+          </a:p>
+          <a:p>
+            <a:r>
+              <a:rPr lang="en-US" dirty="0"/>
+              <a:t>Exceptions allow an application to transfer control from one part of the code to another. When an exception is thrown, the current flow of the code is interrupted and handed back to a parent try catch block. C# exception handling is done with the following keywords: </a:t>
+            </a:r>
+            <a:endParaRPr lang="en-US" dirty="0" smtClean="0"/>
+          </a:p>
+          <a:p>
+            <a:endParaRPr lang="en-US" dirty="0" smtClean="0"/>
+          </a:p>
+          <a:p>
+            <a:r>
+              <a:rPr lang="en-US" b="1" dirty="0"/>
+              <a:t>try</a:t>
+            </a:r>
+            <a:r>
+              <a:rPr lang="en-US" dirty="0"/>
+              <a:t>: A try block is used to encapsulate a region of code. If any code throws an exception within that try block, the exception will be handled by the corresponding catch.</a:t>
+            </a:r>
+          </a:p>
+          <a:p>
+            <a:r>
+              <a:rPr lang="en-US" b="1" dirty="0"/>
+              <a:t>catch</a:t>
+            </a:r>
+            <a:r>
+              <a:rPr lang="en-US" dirty="0"/>
+              <a:t>: When an exception occurs, the catch block of code is executed. This is where you are able to handle the exception, log it, or ignore it.</a:t>
+            </a:r>
+          </a:p>
+          <a:p>
+            <a:r>
+              <a:rPr lang="en-US" b="1" dirty="0"/>
+              <a:t>finally</a:t>
+            </a:r>
+            <a:r>
+              <a:rPr lang="en-US" dirty="0"/>
+              <a:t>: The finally block allows you to execute certain code if an exception is thrown or not. For example, disposing of an object that must be disposed of. </a:t>
+            </a:r>
+          </a:p>
+          <a:p>
+            <a:r>
+              <a:rPr lang="en-US" b="1" dirty="0"/>
+              <a:t>throw</a:t>
+            </a:r>
+            <a:r>
+              <a:rPr lang="en-US" dirty="0"/>
+              <a:t>: The throw keyword is used to actually create a new exception that is the bubbled up to a try catch finally block.</a:t>
+            </a:r>
+          </a:p>
+          <a:p>
+            <a:endParaRPr lang="en-US" dirty="0"/>
+          </a:p>
+        </p:txBody>
+      </p:sp>
+    </p:spTree>
+    <p:extLst>
+      <p:ext uri="{BB962C8B-B14F-4D97-AF65-F5344CB8AC3E}">
+        <p14:creationId xmlns:p14="http://schemas.microsoft.com/office/powerpoint/2010/main" val="1563507764"/>
+      </p:ext>
+    </p:extLst>
+  </p:cSld>
+  <p:clrMapOvr>
+    <a:masterClrMapping/>
+  </p:clrMapOvr>
+</p:sld>
+</file>
+
+<file path=ppt/slides/slide7.xml><?xml version="1.0" encoding="utf-8"?>
+<p:sld xmlns:a="http://schemas.openxmlformats.org/drawingml/2006/main" xmlns:r="http://schemas.openxmlformats.org/officeDocument/2006/relationships" xmlns:p="http://schemas.openxmlformats.org/presentationml/2006/main">
+  <p:cSld>
+    <p:spTree>
+      <p:nvGrpSpPr>
+        <p:cNvPr id="1" name=""/>
+        <p:cNvGrpSpPr/>
+        <p:nvPr/>
+      </p:nvGrpSpPr>
+      <p:grpSpPr>
+        <a:xfrm>
+          <a:off x="0" y="0"/>
+          <a:ext cx="0" cy="0"/>
+          <a:chOff x="0" y="0"/>
+          <a:chExt cx="0" cy="0"/>
+        </a:xfrm>
+      </p:grpSpPr>
+      <p:sp>
+        <p:nvSpPr>
+          <p:cNvPr id="2" name="Rectangle 1"/>
+          <p:cNvSpPr/>
+          <p:nvPr/>
+        </p:nvSpPr>
+        <p:spPr>
+          <a:xfrm>
+            <a:off x="304800" y="228601"/>
+            <a:ext cx="8077200" cy="5632311"/>
+          </a:xfrm>
+          <a:prstGeom prst="rect">
+            <a:avLst/>
+          </a:prstGeom>
+        </p:spPr>
+        <p:txBody>
+          <a:bodyPr wrap="square">
+            <a:spAutoFit/>
+          </a:bodyPr>
+          <a:lstStyle/>
+          <a:p>
+            <a:r>
+              <a:rPr lang="en-US" dirty="0" smtClean="0"/>
+              <a:t>The </a:t>
+            </a:r>
+            <a:r>
+              <a:rPr lang="en-US" dirty="0"/>
+              <a:t>following example trying to divide a number by zero.</a:t>
+            </a:r>
+          </a:p>
+          <a:p>
+            <a:r>
+              <a:rPr lang="en-US" dirty="0"/>
+              <a:t/>
+            </a:r>
+            <a:br>
+              <a:rPr lang="en-US" dirty="0"/>
+            </a:br>
+            <a:r>
+              <a:rPr lang="en-US" dirty="0"/>
+              <a:t> </a:t>
+            </a:r>
+          </a:p>
+          <a:p>
+            <a:r>
+              <a:rPr lang="en-US" dirty="0"/>
+              <a:t>try</a:t>
+            </a:r>
+          </a:p>
+          <a:p>
+            <a:r>
+              <a:rPr lang="en-US" dirty="0"/>
+              <a:t>{</a:t>
+            </a:r>
+          </a:p>
+          <a:p>
+            <a:r>
+              <a:rPr lang="en-US" dirty="0"/>
+              <a:t>    </a:t>
+            </a:r>
+            <a:r>
+              <a:rPr lang="en-US" dirty="0" err="1"/>
+              <a:t>int</a:t>
+            </a:r>
+            <a:r>
+              <a:rPr lang="en-US" dirty="0"/>
+              <a:t> </a:t>
+            </a:r>
+            <a:r>
+              <a:rPr lang="en-US" dirty="0" err="1"/>
+              <a:t>val</a:t>
+            </a:r>
+            <a:r>
+              <a:rPr lang="en-US" dirty="0"/>
+              <a:t> = 100;</a:t>
+            </a:r>
+          </a:p>
+          <a:p>
+            <a:r>
+              <a:rPr lang="en-US" dirty="0"/>
+              <a:t>    </a:t>
+            </a:r>
+            <a:r>
+              <a:rPr lang="en-US" dirty="0" err="1"/>
+              <a:t>int</a:t>
+            </a:r>
+            <a:r>
+              <a:rPr lang="en-US" dirty="0"/>
+              <a:t> div = 0;</a:t>
+            </a:r>
+          </a:p>
+          <a:p>
+            <a:r>
+              <a:rPr lang="en-US" dirty="0"/>
+              <a:t>    </a:t>
+            </a:r>
+            <a:r>
+              <a:rPr lang="en-US" dirty="0" err="1"/>
+              <a:t>int</a:t>
+            </a:r>
+            <a:r>
+              <a:rPr lang="en-US" dirty="0"/>
+              <a:t> </a:t>
+            </a:r>
+            <a:r>
+              <a:rPr lang="en-US" dirty="0" err="1"/>
+              <a:t>resultVal</a:t>
+            </a:r>
+            <a:r>
+              <a:rPr lang="en-US" dirty="0"/>
+              <a:t>;</a:t>
+            </a:r>
+          </a:p>
+          <a:p>
+            <a:r>
+              <a:rPr lang="en-US" dirty="0"/>
+              <a:t>    </a:t>
+            </a:r>
+            <a:r>
+              <a:rPr lang="en-US" dirty="0" err="1"/>
+              <a:t>resultVal</a:t>
+            </a:r>
+            <a:r>
+              <a:rPr lang="en-US" dirty="0"/>
+              <a:t> = (</a:t>
+            </a:r>
+            <a:r>
+              <a:rPr lang="en-US" dirty="0" err="1"/>
+              <a:t>val</a:t>
+            </a:r>
+            <a:r>
+              <a:rPr lang="en-US" dirty="0"/>
+              <a:t> / div);</a:t>
+            </a:r>
+          </a:p>
+          <a:p>
+            <a:r>
+              <a:rPr lang="en-US" dirty="0"/>
+              <a:t>    </a:t>
+            </a:r>
+            <a:r>
+              <a:rPr lang="en-US" dirty="0" err="1"/>
+              <a:t>MessageBox.Show</a:t>
+            </a:r>
+            <a:r>
+              <a:rPr lang="en-US" dirty="0"/>
+              <a:t>("The result is  : " + </a:t>
+            </a:r>
+            <a:r>
+              <a:rPr lang="en-US" dirty="0" err="1"/>
+              <a:t>resultVal</a:t>
+            </a:r>
+            <a:r>
+              <a:rPr lang="en-US" dirty="0"/>
+              <a:t>);</a:t>
+            </a:r>
+          </a:p>
+          <a:p>
+            <a:r>
+              <a:rPr lang="en-US" dirty="0"/>
+              <a:t>}</a:t>
+            </a:r>
+          </a:p>
+          <a:p>
+            <a:r>
+              <a:rPr lang="en-US" dirty="0"/>
+              <a:t>catch (</a:t>
+            </a:r>
+            <a:r>
+              <a:rPr lang="en-US" dirty="0" err="1"/>
+              <a:t>System.Exception</a:t>
+            </a:r>
+            <a:r>
+              <a:rPr lang="en-US" dirty="0"/>
+              <a:t>  ex)</a:t>
+            </a:r>
+          </a:p>
+          <a:p>
+            <a:r>
+              <a:rPr lang="en-US" dirty="0"/>
+              <a:t>{</a:t>
+            </a:r>
+          </a:p>
+          <a:p>
+            <a:r>
+              <a:rPr lang="en-US" dirty="0"/>
+              <a:t>    </a:t>
+            </a:r>
+            <a:r>
+              <a:rPr lang="en-US" dirty="0" err="1"/>
+              <a:t>MessageBox.Show</a:t>
+            </a:r>
+            <a:r>
+              <a:rPr lang="en-US" dirty="0"/>
+              <a:t>("Exception catch here - details  : " + </a:t>
+            </a:r>
+            <a:r>
+              <a:rPr lang="en-US" dirty="0" err="1"/>
+              <a:t>ex.ToString</a:t>
+            </a:r>
+            <a:r>
+              <a:rPr lang="en-US" dirty="0"/>
+              <a:t>());</a:t>
+            </a:r>
+          </a:p>
+          <a:p>
+            <a:r>
+              <a:rPr lang="en-US" dirty="0"/>
+              <a:t>}</a:t>
+            </a:r>
+          </a:p>
+          <a:p>
+            <a:r>
+              <a:rPr lang="en-US" dirty="0"/>
+              <a:t>finally</a:t>
+            </a:r>
+          </a:p>
+          <a:p>
+            <a:r>
+              <a:rPr lang="en-US" dirty="0"/>
+              <a:t>{</a:t>
+            </a:r>
+          </a:p>
+          <a:p>
+            <a:r>
+              <a:rPr lang="en-US" dirty="0"/>
+              <a:t>    </a:t>
+            </a:r>
+            <a:r>
+              <a:rPr lang="en-US" dirty="0" err="1"/>
+              <a:t>MessageBox.Show</a:t>
+            </a:r>
+            <a:r>
+              <a:rPr lang="en-US" dirty="0"/>
+              <a:t>("Enter finally block ");</a:t>
+            </a:r>
+          </a:p>
+          <a:p>
+            <a:r>
+              <a:rPr lang="en-US" dirty="0"/>
+              <a:t>}</a:t>
+            </a:r>
+          </a:p>
+          <a:p>
+            <a:endParaRPr lang="en-US" dirty="0"/>
+          </a:p>
+        </p:txBody>
+      </p:sp>
+    </p:spTree>
+    <p:extLst>
+      <p:ext uri="{BB962C8B-B14F-4D97-AF65-F5344CB8AC3E}">
+        <p14:creationId xmlns:p14="http://schemas.microsoft.com/office/powerpoint/2010/main" val="1597252220"/>
+      </p:ext>
+    </p:extLst>
+  </p:cSld>
+  <p:clrMapOvr>
+    <a:masterClrMapping/>
+  </p:clrMapOvr>
+</p:sld>
+</file>
+
+<file path=ppt/slides/slide8.xml><?xml version="1.0" encoding="utf-8"?>
+<p:sld xmlns:a="http://schemas.openxmlformats.org/drawingml/2006/main" xmlns:r="http://schemas.openxmlformats.org/officeDocument/2006/relationships" xmlns:p="http://schemas.openxmlformats.org/presentationml/2006/main">
+  <p:cSld>
+    <p:spTree>
+      <p:nvGrpSpPr>
+        <p:cNvPr id="1" name=""/>
+        <p:cNvGrpSpPr/>
+        <p:nvPr/>
+      </p:nvGrpSpPr>
+      <p:grpSpPr>
+        <a:xfrm>
+          <a:off x="0" y="0"/>
+          <a:ext cx="0" cy="0"/>
+          <a:chOff x="0" y="0"/>
+          <a:chExt cx="0" cy="0"/>
+        </a:xfrm>
+      </p:grpSpPr>
       <p:pic>
         <p:nvPicPr>
           <p:cNvPr id="1026" name="Picture 2"/>

--- a/Dotnet_framework.pptx
+++ b/Dotnet_framework.pptx
@@ -13,6 +13,7 @@
     <p:sldId id="264" r:id="rId7"/>
     <p:sldId id="265" r:id="rId8"/>
     <p:sldId id="261" r:id="rId9"/>
+    <p:sldId id="266" r:id="rId10"/>
   </p:sldIdLst>
   <p:sldSz cx="9144000" cy="6858000" type="screen4x3"/>
   <p:notesSz cx="6858000" cy="9144000"/>
@@ -4102,6 +4103,162 @@
 </p:sld>
 </file>
 
+<file path=ppt/slides/slide9.xml><?xml version="1.0" encoding="utf-8"?>
+<p:sld xmlns:a="http://schemas.openxmlformats.org/drawingml/2006/main" xmlns:r="http://schemas.openxmlformats.org/officeDocument/2006/relationships" xmlns:p="http://schemas.openxmlformats.org/presentationml/2006/main">
+  <p:cSld>
+    <p:spTree>
+      <p:nvGrpSpPr>
+        <p:cNvPr id="1" name=""/>
+        <p:cNvGrpSpPr/>
+        <p:nvPr/>
+      </p:nvGrpSpPr>
+      <p:grpSpPr>
+        <a:xfrm>
+          <a:off x="0" y="0"/>
+          <a:ext cx="0" cy="0"/>
+          <a:chOff x="0" y="0"/>
+          <a:chExt cx="0" cy="0"/>
+        </a:xfrm>
+      </p:grpSpPr>
+      <p:sp>
+        <p:nvSpPr>
+          <p:cNvPr id="2" name="Rectangle 1"/>
+          <p:cNvSpPr/>
+          <p:nvPr/>
+        </p:nvSpPr>
+        <p:spPr>
+          <a:xfrm>
+            <a:off x="304800" y="381000"/>
+            <a:ext cx="7848600" cy="3416320"/>
+          </a:xfrm>
+          <a:prstGeom prst="rect">
+            <a:avLst/>
+          </a:prstGeom>
+        </p:spPr>
+        <p:txBody>
+          <a:bodyPr wrap="square">
+            <a:spAutoFit/>
+          </a:bodyPr>
+          <a:lstStyle/>
+          <a:p>
+            <a:r>
+              <a:rPr lang="en-US" b="1" dirty="0"/>
+              <a:t>Access Modifiers In C</a:t>
+            </a:r>
+            <a:r>
+              <a:rPr lang="en-US" b="1" dirty="0" smtClean="0"/>
+              <a:t>#</a:t>
+            </a:r>
+            <a:r>
+              <a:rPr lang="en-US" dirty="0"/>
+              <a:t> </a:t>
+            </a:r>
+          </a:p>
+          <a:p>
+            <a:r>
+              <a:rPr lang="en-US" dirty="0"/>
+              <a:t>Access modifiers in C# are used to specify the scope of accessibility of a member of a class or type of the class itself. For example, a public class is accessible to everyone without any restrictions, while an internal class may be accessible to the assembly only</a:t>
+            </a:r>
+            <a:r>
+              <a:rPr lang="en-US" dirty="0" smtClean="0"/>
+              <a:t>.</a:t>
+            </a:r>
+          </a:p>
+          <a:p>
+            <a:endParaRPr lang="en-US" dirty="0"/>
+          </a:p>
+          <a:p>
+            <a:r>
+              <a:rPr lang="en-US" b="1" dirty="0"/>
+              <a:t>Access Modifiers In C</a:t>
+            </a:r>
+            <a:r>
+              <a:rPr lang="en-US" b="1" dirty="0" smtClean="0"/>
+              <a:t>#</a:t>
+            </a:r>
+            <a:r>
+              <a:rPr lang="en-US" dirty="0"/>
+              <a:t> </a:t>
+            </a:r>
+          </a:p>
+          <a:p>
+            <a:r>
+              <a:rPr lang="en-US" dirty="0"/>
+              <a:t>Access modifiers in C# are used to specify the scope of accessibility of a member of a class or type of the class itself. For example, a public class is accessible to everyone without any restrictions, while an internal class may be accessible to the assembly only.</a:t>
+            </a:r>
+          </a:p>
+          <a:p>
+            <a:endParaRPr lang="en-US" dirty="0"/>
+          </a:p>
+        </p:txBody>
+      </p:sp>
+      <p:pic>
+        <p:nvPicPr>
+          <p:cNvPr id="1026" name="Picture 2"/>
+          <p:cNvPicPr>
+            <a:picLocks noChangeAspect="1" noChangeArrowheads="1"/>
+          </p:cNvPicPr>
+          <p:nvPr/>
+        </p:nvPicPr>
+        <p:blipFill>
+          <a:blip r:embed="rId2">
+            <a:extLst>
+              <a:ext uri="{28A0092B-C50C-407E-A947-70E740481C1C}">
+                <a14:useLocalDpi xmlns:a14="http://schemas.microsoft.com/office/drawing/2010/main" val="0"/>
+              </a:ext>
+            </a:extLst>
+          </a:blip>
+          <a:srcRect/>
+          <a:stretch>
+            <a:fillRect/>
+          </a:stretch>
+        </p:blipFill>
+        <p:spPr bwMode="auto">
+          <a:xfrm>
+            <a:off x="31831" y="3886200"/>
+            <a:ext cx="9112169" cy="2743200"/>
+          </a:xfrm>
+          <a:prstGeom prst="rect">
+            <a:avLst/>
+          </a:prstGeom>
+          <a:noFill/>
+          <a:ln>
+            <a:noFill/>
+          </a:ln>
+          <a:extLst>
+            <a:ext uri="{909E8E84-426E-40DD-AFC4-6F175D3DCCD1}">
+              <a14:hiddenFill xmlns:a14="http://schemas.microsoft.com/office/drawing/2010/main">
+                <a:solidFill>
+                  <a:schemeClr val="accent1"/>
+                </a:solidFill>
+              </a14:hiddenFill>
+            </a:ext>
+            <a:ext uri="{91240B29-F687-4F45-9708-019B960494DF}">
+              <a14:hiddenLine xmlns:a14="http://schemas.microsoft.com/office/drawing/2010/main" w="9525">
+                <a:solidFill>
+                  <a:schemeClr val="tx1"/>
+                </a:solidFill>
+                <a:miter lim="800000"/>
+                <a:headEnd/>
+                <a:tailEnd/>
+              </a14:hiddenLine>
+            </a:ext>
+          </a:extLst>
+        </p:spPr>
+      </p:pic>
+    </p:spTree>
+    <p:extLst>
+      <p:ext uri="{BB962C8B-B14F-4D97-AF65-F5344CB8AC3E}">
+        <p14:creationId xmlns:p14="http://schemas.microsoft.com/office/powerpoint/2010/main" val="1893086777"/>
+      </p:ext>
+    </p:extLst>
+  </p:cSld>
+  <p:clrMapOvr>
+    <a:masterClrMapping/>
+  </p:clrMapOvr>
+</p:sld>
+</file>
+
 <file path=ppt/theme/theme1.xml><?xml version="1.0" encoding="utf-8"?>
 <a:theme xmlns:a="http://schemas.openxmlformats.org/drawingml/2006/main" name="Office Theme">
   <a:themeElements>

--- a/Dotnet_framework.pptx
+++ b/Dotnet_framework.pptx
@@ -14,6 +14,9 @@
     <p:sldId id="265" r:id="rId8"/>
     <p:sldId id="261" r:id="rId9"/>
     <p:sldId id="266" r:id="rId10"/>
+    <p:sldId id="267" r:id="rId11"/>
+    <p:sldId id="268" r:id="rId12"/>
+    <p:sldId id="269" r:id="rId13"/>
   </p:sldIdLst>
   <p:sldSz cx="9144000" cy="6858000" type="screen4x3"/>
   <p:notesSz cx="6858000" cy="9144000"/>
@@ -296,7 +299,7 @@
           <a:p>
             <a:fld id="{8A1A7000-88B5-4B85-81D3-0CCD483342B3}" type="datetimeFigureOut">
               <a:rPr lang="en-US" smtClean="0"/>
-              <a:t>8/21/2020</a:t>
+              <a:t>8/26/2020</a:t>
             </a:fld>
             <a:endParaRPr lang="en-US"/>
           </a:p>
@@ -466,7 +469,7 @@
           <a:p>
             <a:fld id="{8A1A7000-88B5-4B85-81D3-0CCD483342B3}" type="datetimeFigureOut">
               <a:rPr lang="en-US" smtClean="0"/>
-              <a:t>8/21/2020</a:t>
+              <a:t>8/26/2020</a:t>
             </a:fld>
             <a:endParaRPr lang="en-US"/>
           </a:p>
@@ -646,7 +649,7 @@
           <a:p>
             <a:fld id="{8A1A7000-88B5-4B85-81D3-0CCD483342B3}" type="datetimeFigureOut">
               <a:rPr lang="en-US" smtClean="0"/>
-              <a:t>8/21/2020</a:t>
+              <a:t>8/26/2020</a:t>
             </a:fld>
             <a:endParaRPr lang="en-US"/>
           </a:p>
@@ -816,7 +819,7 @@
           <a:p>
             <a:fld id="{8A1A7000-88B5-4B85-81D3-0CCD483342B3}" type="datetimeFigureOut">
               <a:rPr lang="en-US" smtClean="0"/>
-              <a:t>8/21/2020</a:t>
+              <a:t>8/26/2020</a:t>
             </a:fld>
             <a:endParaRPr lang="en-US"/>
           </a:p>
@@ -1062,7 +1065,7 @@
           <a:p>
             <a:fld id="{8A1A7000-88B5-4B85-81D3-0CCD483342B3}" type="datetimeFigureOut">
               <a:rPr lang="en-US" smtClean="0"/>
-              <a:t>8/21/2020</a:t>
+              <a:t>8/26/2020</a:t>
             </a:fld>
             <a:endParaRPr lang="en-US"/>
           </a:p>
@@ -1350,7 +1353,7 @@
           <a:p>
             <a:fld id="{8A1A7000-88B5-4B85-81D3-0CCD483342B3}" type="datetimeFigureOut">
               <a:rPr lang="en-US" smtClean="0"/>
-              <a:t>8/21/2020</a:t>
+              <a:t>8/26/2020</a:t>
             </a:fld>
             <a:endParaRPr lang="en-US"/>
           </a:p>
@@ -1772,7 +1775,7 @@
           <a:p>
             <a:fld id="{8A1A7000-88B5-4B85-81D3-0CCD483342B3}" type="datetimeFigureOut">
               <a:rPr lang="en-US" smtClean="0"/>
-              <a:t>8/21/2020</a:t>
+              <a:t>8/26/2020</a:t>
             </a:fld>
             <a:endParaRPr lang="en-US"/>
           </a:p>
@@ -1890,7 +1893,7 @@
           <a:p>
             <a:fld id="{8A1A7000-88B5-4B85-81D3-0CCD483342B3}" type="datetimeFigureOut">
               <a:rPr lang="en-US" smtClean="0"/>
-              <a:t>8/21/2020</a:t>
+              <a:t>8/26/2020</a:t>
             </a:fld>
             <a:endParaRPr lang="en-US"/>
           </a:p>
@@ -1985,7 +1988,7 @@
           <a:p>
             <a:fld id="{8A1A7000-88B5-4B85-81D3-0CCD483342B3}" type="datetimeFigureOut">
               <a:rPr lang="en-US" smtClean="0"/>
-              <a:t>8/21/2020</a:t>
+              <a:t>8/26/2020</a:t>
             </a:fld>
             <a:endParaRPr lang="en-US"/>
           </a:p>
@@ -2262,7 +2265,7 @@
           <a:p>
             <a:fld id="{8A1A7000-88B5-4B85-81D3-0CCD483342B3}" type="datetimeFigureOut">
               <a:rPr lang="en-US" smtClean="0"/>
-              <a:t>8/21/2020</a:t>
+              <a:t>8/26/2020</a:t>
             </a:fld>
             <a:endParaRPr lang="en-US"/>
           </a:p>
@@ -2515,7 +2518,7 @@
           <a:p>
             <a:fld id="{8A1A7000-88B5-4B85-81D3-0CCD483342B3}" type="datetimeFigureOut">
               <a:rPr lang="en-US" smtClean="0"/>
-              <a:t>8/21/2020</a:t>
+              <a:t>8/26/2020</a:t>
             </a:fld>
             <a:endParaRPr lang="en-US"/>
           </a:p>
@@ -2728,7 +2731,7 @@
           <a:p>
             <a:fld id="{8A1A7000-88B5-4B85-81D3-0CCD483342B3}" type="datetimeFigureOut">
               <a:rPr lang="en-US" smtClean="0"/>
-              <a:t>8/21/2020</a:t>
+              <a:t>8/26/2020</a:t>
             </a:fld>
             <a:endParaRPr lang="en-US"/>
           </a:p>
@@ -3177,6 +3180,671 @@
 </p:sld>
 </file>
 
+<file path=ppt/slides/slide10.xml><?xml version="1.0" encoding="utf-8"?>
+<p:sld xmlns:a="http://schemas.openxmlformats.org/drawingml/2006/main" xmlns:r="http://schemas.openxmlformats.org/officeDocument/2006/relationships" xmlns:p="http://schemas.openxmlformats.org/presentationml/2006/main">
+  <p:cSld>
+    <p:spTree>
+      <p:nvGrpSpPr>
+        <p:cNvPr id="1" name=""/>
+        <p:cNvGrpSpPr/>
+        <p:nvPr/>
+      </p:nvGrpSpPr>
+      <p:grpSpPr>
+        <a:xfrm>
+          <a:off x="0" y="0"/>
+          <a:ext cx="0" cy="0"/>
+          <a:chOff x="0" y="0"/>
+          <a:chExt cx="0" cy="0"/>
+        </a:xfrm>
+      </p:grpSpPr>
+      <p:sp>
+        <p:nvSpPr>
+          <p:cNvPr id="2" name="Rectangle 1"/>
+          <p:cNvSpPr/>
+          <p:nvPr/>
+        </p:nvSpPr>
+        <p:spPr>
+          <a:xfrm>
+            <a:off x="381000" y="457200"/>
+            <a:ext cx="8458200" cy="4524315"/>
+          </a:xfrm>
+          <a:prstGeom prst="rect">
+            <a:avLst/>
+          </a:prstGeom>
+        </p:spPr>
+        <p:txBody>
+          <a:bodyPr wrap="square">
+            <a:spAutoFit/>
+          </a:bodyPr>
+          <a:lstStyle/>
+          <a:p>
+            <a:r>
+              <a:rPr lang="en-US" b="1" dirty="0" smtClean="0"/>
+              <a:t>Encapsulation</a:t>
+            </a:r>
+          </a:p>
+          <a:p>
+            <a:endParaRPr lang="en-US" b="1" dirty="0" smtClean="0"/>
+          </a:p>
+          <a:p>
+            <a:r>
+              <a:rPr lang="en-US" dirty="0" smtClean="0"/>
+              <a:t>In </a:t>
+            </a:r>
+            <a:r>
+              <a:rPr lang="en-US" dirty="0"/>
+              <a:t>c#, Encapsulation is a process of binding the data members and member functions into a single unit. In c#, the class is the real-time example for encapsulation because it will combine various types of data members and member functions into a single unit</a:t>
+            </a:r>
+            <a:r>
+              <a:rPr lang="en-US" dirty="0" smtClean="0"/>
+              <a:t>.</a:t>
+            </a:r>
+          </a:p>
+          <a:p>
+            <a:endParaRPr lang="en-US" dirty="0"/>
+          </a:p>
+          <a:p>
+            <a:r>
+              <a:rPr lang="en-US" dirty="0"/>
+              <a:t>Generally, in </a:t>
+            </a:r>
+            <a:r>
+              <a:rPr lang="en-US" dirty="0" err="1"/>
+              <a:t>c#</a:t>
+            </a:r>
+            <a:r>
+              <a:rPr lang="en-US" dirty="0"/>
+              <a:t> the encapsulation is used to prevent alteration of code (data) accidentally from the outside of functions. In c#, by defining the class fields with properties we can protect the data from accidental corruption.</a:t>
+            </a:r>
+          </a:p>
+          <a:p>
+            <a:r>
+              <a:rPr lang="en-US" dirty="0"/>
+              <a:t> </a:t>
+            </a:r>
+          </a:p>
+          <a:p>
+            <a:r>
+              <a:rPr lang="en-US" dirty="0"/>
+              <a:t>If we define class fields with properties, then the encapsulated class won’t allow us to access the fields directly instead, we need to use getter and setter functions to read or write data based on our requirements.</a:t>
+            </a:r>
+          </a:p>
+          <a:p>
+            <a:endParaRPr lang="en-US" dirty="0"/>
+          </a:p>
+          <a:p>
+            <a:r>
+              <a:rPr lang="en-US" dirty="0"/>
+              <a:t> </a:t>
+            </a:r>
+          </a:p>
+        </p:txBody>
+      </p:sp>
+    </p:spTree>
+    <p:extLst>
+      <p:ext uri="{BB962C8B-B14F-4D97-AF65-F5344CB8AC3E}">
+        <p14:creationId xmlns:p14="http://schemas.microsoft.com/office/powerpoint/2010/main" val="692477654"/>
+      </p:ext>
+    </p:extLst>
+  </p:cSld>
+  <p:clrMapOvr>
+    <a:masterClrMapping/>
+  </p:clrMapOvr>
+</p:sld>
+</file>
+
+<file path=ppt/slides/slide11.xml><?xml version="1.0" encoding="utf-8"?>
+<p:sld xmlns:a="http://schemas.openxmlformats.org/drawingml/2006/main" xmlns:r="http://schemas.openxmlformats.org/officeDocument/2006/relationships" xmlns:p="http://schemas.openxmlformats.org/presentationml/2006/main">
+  <p:cSld>
+    <p:spTree>
+      <p:nvGrpSpPr>
+        <p:cNvPr id="1" name=""/>
+        <p:cNvGrpSpPr/>
+        <p:nvPr/>
+      </p:nvGrpSpPr>
+      <p:grpSpPr>
+        <a:xfrm>
+          <a:off x="0" y="0"/>
+          <a:ext cx="0" cy="0"/>
+          <a:chOff x="0" y="0"/>
+          <a:chExt cx="0" cy="0"/>
+        </a:xfrm>
+      </p:grpSpPr>
+      <p:sp>
+        <p:nvSpPr>
+          <p:cNvPr id="2" name="Rectangle 1"/>
+          <p:cNvSpPr/>
+          <p:nvPr/>
+        </p:nvSpPr>
+        <p:spPr>
+          <a:xfrm>
+            <a:off x="609600" y="304800"/>
+            <a:ext cx="8001000" cy="7017306"/>
+          </a:xfrm>
+          <a:prstGeom prst="rect">
+            <a:avLst/>
+          </a:prstGeom>
+        </p:spPr>
+        <p:txBody>
+          <a:bodyPr wrap="square">
+            <a:spAutoFit/>
+          </a:bodyPr>
+          <a:lstStyle/>
+          <a:p>
+            <a:r>
+              <a:rPr lang="en-US" b="1" dirty="0" smtClean="0"/>
+              <a:t>Inheritance :</a:t>
+            </a:r>
+            <a:endParaRPr lang="en-US" dirty="0"/>
+          </a:p>
+          <a:p>
+            <a:r>
+              <a:rPr lang="en-US" dirty="0" smtClean="0"/>
+              <a:t>In </a:t>
+            </a:r>
+            <a:r>
+              <a:rPr lang="en-US" dirty="0"/>
+              <a:t>c#, </a:t>
+            </a:r>
+            <a:r>
+              <a:rPr lang="en-US" b="1" dirty="0"/>
+              <a:t>Inheritance</a:t>
+            </a:r>
+            <a:r>
+              <a:rPr lang="en-US" dirty="0"/>
+              <a:t> is one of the primary concept of object-oriented programming (OOP) and it is used to inherit the properties from one class (base) to another (child) class</a:t>
+            </a:r>
+            <a:r>
+              <a:rPr lang="en-US" dirty="0" smtClean="0"/>
+              <a:t>.</a:t>
+            </a:r>
+          </a:p>
+          <a:p>
+            <a:r>
+              <a:rPr lang="en-US" dirty="0" smtClean="0"/>
+              <a:t> </a:t>
+            </a:r>
+          </a:p>
+          <a:p>
+            <a:r>
+              <a:rPr lang="en-US" dirty="0" smtClean="0"/>
+              <a:t>The </a:t>
+            </a:r>
+            <a:r>
+              <a:rPr lang="en-US" dirty="0"/>
+              <a:t>inheritance will enable us to create a new class by inheriting the properties from other classes to reuse, extend and modify the behavior of other class members based on our requirements</a:t>
+            </a:r>
+            <a:r>
+              <a:rPr lang="en-US" dirty="0" smtClean="0"/>
+              <a:t>.</a:t>
+            </a:r>
+          </a:p>
+          <a:p>
+            <a:r>
+              <a:rPr lang="en-US" dirty="0" smtClean="0"/>
+              <a:t> </a:t>
+            </a:r>
+          </a:p>
+          <a:p>
+            <a:r>
+              <a:rPr lang="en-US" dirty="0" smtClean="0"/>
+              <a:t>In </a:t>
+            </a:r>
+            <a:r>
+              <a:rPr lang="en-US" dirty="0" err="1"/>
+              <a:t>c#</a:t>
+            </a:r>
+            <a:r>
+              <a:rPr lang="en-US" dirty="0"/>
+              <a:t> inheritance, the class whose members are inherited is called a </a:t>
+            </a:r>
+            <a:r>
+              <a:rPr lang="en-US" b="1" dirty="0"/>
+              <a:t>base</a:t>
+            </a:r>
+            <a:r>
+              <a:rPr lang="en-US" dirty="0"/>
+              <a:t> (</a:t>
+            </a:r>
+            <a:r>
+              <a:rPr lang="en-US" b="1" dirty="0"/>
+              <a:t>parent</a:t>
+            </a:r>
+            <a:r>
+              <a:rPr lang="en-US" dirty="0"/>
+              <a:t>) class and the class that inherits the members of </a:t>
+            </a:r>
+            <a:r>
+              <a:rPr lang="en-US" b="1" dirty="0"/>
+              <a:t>base</a:t>
+            </a:r>
+            <a:r>
+              <a:rPr lang="en-US" dirty="0"/>
+              <a:t> (</a:t>
+            </a:r>
+            <a:r>
+              <a:rPr lang="en-US" b="1" dirty="0"/>
+              <a:t>parent</a:t>
+            </a:r>
+            <a:r>
+              <a:rPr lang="en-US" dirty="0"/>
+              <a:t>) class is called a </a:t>
+            </a:r>
+            <a:r>
+              <a:rPr lang="en-US" b="1" dirty="0"/>
+              <a:t>derived</a:t>
+            </a:r>
+            <a:r>
+              <a:rPr lang="en-US" dirty="0"/>
+              <a:t> (</a:t>
+            </a:r>
+            <a:r>
+              <a:rPr lang="en-US" b="1" dirty="0"/>
+              <a:t>child</a:t>
+            </a:r>
+            <a:r>
+              <a:rPr lang="en-US" dirty="0"/>
+              <a:t>) class</a:t>
+            </a:r>
+            <a:r>
+              <a:rPr lang="en-US" dirty="0" smtClean="0"/>
+              <a:t>.</a:t>
+            </a:r>
+          </a:p>
+          <a:p>
+            <a:endParaRPr lang="en-US" dirty="0" smtClean="0"/>
+          </a:p>
+          <a:p>
+            <a:r>
+              <a:rPr lang="en-US" b="1" dirty="0" smtClean="0"/>
+              <a:t>Inheritance Syntax</a:t>
+            </a:r>
+          </a:p>
+          <a:p>
+            <a:r>
+              <a:rPr lang="en-US" dirty="0"/>
+              <a:t>&lt;</a:t>
+            </a:r>
+            <a:r>
+              <a:rPr lang="en-US" dirty="0" err="1"/>
+              <a:t>access_modifier</a:t>
+            </a:r>
+            <a:r>
+              <a:rPr lang="en-US" dirty="0"/>
+              <a:t>&gt; class &lt;</a:t>
+            </a:r>
+            <a:r>
+              <a:rPr lang="en-US" dirty="0" err="1"/>
+              <a:t>base_class_name</a:t>
+            </a:r>
+            <a:r>
+              <a:rPr lang="en-US" dirty="0"/>
+              <a:t>&gt;</a:t>
+            </a:r>
+          </a:p>
+          <a:p>
+            <a:r>
+              <a:rPr lang="en-US" dirty="0"/>
+              <a:t>{</a:t>
+            </a:r>
+          </a:p>
+          <a:p>
+            <a:r>
+              <a:rPr lang="en-US" dirty="0"/>
+              <a:t>    // Base class Implementation</a:t>
+            </a:r>
+          </a:p>
+          <a:p>
+            <a:r>
+              <a:rPr lang="en-US" dirty="0"/>
+              <a:t>}</a:t>
+            </a:r>
+          </a:p>
+          <a:p>
+            <a:r>
+              <a:rPr lang="en-US" dirty="0"/>
+              <a:t> </a:t>
+            </a:r>
+          </a:p>
+          <a:p>
+            <a:r>
+              <a:rPr lang="en-US" dirty="0"/>
+              <a:t>&lt;</a:t>
+            </a:r>
+            <a:r>
+              <a:rPr lang="en-US" dirty="0" err="1"/>
+              <a:t>access_modifier</a:t>
+            </a:r>
+            <a:r>
+              <a:rPr lang="en-US" dirty="0"/>
+              <a:t>&gt; class &lt;</a:t>
+            </a:r>
+            <a:r>
+              <a:rPr lang="en-US" dirty="0" err="1"/>
+              <a:t>derived_class_name</a:t>
+            </a:r>
+            <a:r>
+              <a:rPr lang="en-US" dirty="0"/>
+              <a:t>&gt; : &lt;</a:t>
+            </a:r>
+            <a:r>
+              <a:rPr lang="en-US" dirty="0" err="1"/>
+              <a:t>base_class_name</a:t>
+            </a:r>
+            <a:r>
+              <a:rPr lang="en-US" dirty="0"/>
+              <a:t>&gt;</a:t>
+            </a:r>
+          </a:p>
+          <a:p>
+            <a:r>
+              <a:rPr lang="en-US" dirty="0"/>
+              <a:t>{</a:t>
+            </a:r>
+          </a:p>
+          <a:p>
+            <a:r>
+              <a:rPr lang="en-US" dirty="0"/>
+              <a:t>    // Derived class implementation</a:t>
+            </a:r>
+          </a:p>
+          <a:p>
+            <a:r>
+              <a:rPr lang="en-US" dirty="0"/>
+              <a:t>}</a:t>
+            </a:r>
+          </a:p>
+          <a:p>
+            <a:endParaRPr lang="en-US" b="1" dirty="0"/>
+          </a:p>
+          <a:p>
+            <a:endParaRPr lang="en-US" dirty="0"/>
+          </a:p>
+        </p:txBody>
+      </p:sp>
+    </p:spTree>
+    <p:extLst>
+      <p:ext uri="{BB962C8B-B14F-4D97-AF65-F5344CB8AC3E}">
+        <p14:creationId xmlns:p14="http://schemas.microsoft.com/office/powerpoint/2010/main" val="1033600382"/>
+      </p:ext>
+    </p:extLst>
+  </p:cSld>
+  <p:clrMapOvr>
+    <a:masterClrMapping/>
+  </p:clrMapOvr>
+</p:sld>
+</file>
+
+<file path=ppt/slides/slide12.xml><?xml version="1.0" encoding="utf-8"?>
+<p:sld xmlns:a="http://schemas.openxmlformats.org/drawingml/2006/main" xmlns:r="http://schemas.openxmlformats.org/officeDocument/2006/relationships" xmlns:p="http://schemas.openxmlformats.org/presentationml/2006/main">
+  <p:cSld>
+    <p:spTree>
+      <p:nvGrpSpPr>
+        <p:cNvPr id="1" name=""/>
+        <p:cNvGrpSpPr/>
+        <p:nvPr/>
+      </p:nvGrpSpPr>
+      <p:grpSpPr>
+        <a:xfrm>
+          <a:off x="0" y="0"/>
+          <a:ext cx="0" cy="0"/>
+          <a:chOff x="0" y="0"/>
+          <a:chExt cx="0" cy="0"/>
+        </a:xfrm>
+      </p:grpSpPr>
+      <p:sp>
+        <p:nvSpPr>
+          <p:cNvPr id="2" name="Rectangle 1"/>
+          <p:cNvSpPr/>
+          <p:nvPr/>
+        </p:nvSpPr>
+        <p:spPr>
+          <a:xfrm>
+            <a:off x="304800" y="228600"/>
+            <a:ext cx="8610600" cy="1200329"/>
+          </a:xfrm>
+          <a:prstGeom prst="rect">
+            <a:avLst/>
+          </a:prstGeom>
+        </p:spPr>
+        <p:txBody>
+          <a:bodyPr wrap="square">
+            <a:spAutoFit/>
+          </a:bodyPr>
+          <a:lstStyle/>
+          <a:p>
+            <a:r>
+              <a:rPr lang="en-US" dirty="0"/>
+              <a:t>If you observe the above syntax, we are inheriting the properties </a:t>
+            </a:r>
+            <a:r>
+              <a:rPr lang="en-US" dirty="0" smtClean="0"/>
+              <a:t>of</a:t>
+            </a:r>
+            <a:r>
+              <a:rPr lang="en-US" dirty="0"/>
+              <a:t> </a:t>
+            </a:r>
+            <a:r>
+              <a:rPr lang="en-US" b="1" dirty="0"/>
+              <a:t>base</a:t>
+            </a:r>
+            <a:r>
+              <a:rPr lang="en-US" dirty="0"/>
+              <a:t> class into </a:t>
+            </a:r>
+            <a:r>
+              <a:rPr lang="en-US" b="1" dirty="0"/>
+              <a:t>child</a:t>
+            </a:r>
+            <a:r>
+              <a:rPr lang="en-US" dirty="0"/>
+              <a:t> class to improve code reusability.</a:t>
+            </a:r>
+          </a:p>
+          <a:p>
+            <a:r>
+              <a:rPr lang="en-US" dirty="0"/>
+              <a:t> </a:t>
+            </a:r>
+          </a:p>
+          <a:p>
+            <a:r>
+              <a:rPr lang="en-US" dirty="0"/>
+              <a:t>Following is the simple example of implementing inheritance in </a:t>
+            </a:r>
+            <a:r>
+              <a:rPr lang="en-US" dirty="0" err="1"/>
+              <a:t>c#</a:t>
+            </a:r>
+            <a:r>
+              <a:rPr lang="en-US" dirty="0"/>
+              <a:t> programming language.</a:t>
+            </a:r>
+          </a:p>
+        </p:txBody>
+      </p:sp>
+      <p:sp>
+        <p:nvSpPr>
+          <p:cNvPr id="3" name="Rectangle 2"/>
+          <p:cNvSpPr/>
+          <p:nvPr/>
+        </p:nvSpPr>
+        <p:spPr>
+          <a:xfrm>
+            <a:off x="533400" y="1428928"/>
+            <a:ext cx="7924800" cy="5355312"/>
+          </a:xfrm>
+          <a:prstGeom prst="rect">
+            <a:avLst/>
+          </a:prstGeom>
+        </p:spPr>
+        <p:txBody>
+          <a:bodyPr wrap="square">
+            <a:spAutoFit/>
+          </a:bodyPr>
+          <a:lstStyle/>
+          <a:p>
+            <a:r>
+              <a:rPr lang="en-US" dirty="0"/>
+              <a:t>public class X</a:t>
+            </a:r>
+          </a:p>
+          <a:p>
+            <a:r>
+              <a:rPr lang="en-US" dirty="0"/>
+              <a:t>{</a:t>
+            </a:r>
+          </a:p>
+          <a:p>
+            <a:r>
+              <a:rPr lang="en-US" dirty="0"/>
+              <a:t>    public void </a:t>
+            </a:r>
+            <a:r>
+              <a:rPr lang="en-US" dirty="0" err="1"/>
+              <a:t>GetDetails</a:t>
+            </a:r>
+            <a:r>
+              <a:rPr lang="en-US" dirty="0"/>
+              <a:t>()</a:t>
+            </a:r>
+          </a:p>
+          <a:p>
+            <a:r>
+              <a:rPr lang="en-US" dirty="0"/>
+              <a:t>    {</a:t>
+            </a:r>
+          </a:p>
+          <a:p>
+            <a:r>
+              <a:rPr lang="en-US" dirty="0"/>
+              <a:t>        // Method implementation</a:t>
+            </a:r>
+          </a:p>
+          <a:p>
+            <a:r>
+              <a:rPr lang="en-US" dirty="0"/>
+              <a:t>    }</a:t>
+            </a:r>
+          </a:p>
+          <a:p>
+            <a:r>
+              <a:rPr lang="en-US" dirty="0"/>
+              <a:t>}</a:t>
+            </a:r>
+          </a:p>
+          <a:p>
+            <a:r>
+              <a:rPr lang="en-US" dirty="0"/>
+              <a:t>public class Y : X</a:t>
+            </a:r>
+          </a:p>
+          <a:p>
+            <a:r>
+              <a:rPr lang="en-US" dirty="0"/>
+              <a:t>{</a:t>
+            </a:r>
+          </a:p>
+          <a:p>
+            <a:r>
+              <a:rPr lang="en-US" dirty="0"/>
+              <a:t>    // your class implementation</a:t>
+            </a:r>
+          </a:p>
+          <a:p>
+            <a:r>
+              <a:rPr lang="en-US" dirty="0"/>
+              <a:t>}</a:t>
+            </a:r>
+          </a:p>
+          <a:p>
+            <a:r>
+              <a:rPr lang="en-US" dirty="0"/>
+              <a:t>class Program</a:t>
+            </a:r>
+          </a:p>
+          <a:p>
+            <a:r>
+              <a:rPr lang="en-US" dirty="0"/>
+              <a:t>{</a:t>
+            </a:r>
+          </a:p>
+          <a:p>
+            <a:r>
+              <a:rPr lang="en-US" dirty="0"/>
+              <a:t>    static void Main(string[] </a:t>
+            </a:r>
+            <a:r>
+              <a:rPr lang="en-US" dirty="0" err="1"/>
+              <a:t>args</a:t>
+            </a:r>
+            <a:r>
+              <a:rPr lang="en-US" dirty="0"/>
+              <a:t>)</a:t>
+            </a:r>
+          </a:p>
+          <a:p>
+            <a:r>
+              <a:rPr lang="en-US" dirty="0"/>
+              <a:t>    {</a:t>
+            </a:r>
+          </a:p>
+          <a:p>
+            <a:r>
+              <a:rPr lang="en-US" dirty="0"/>
+              <a:t>        Y </a:t>
+            </a:r>
+            <a:r>
+              <a:rPr lang="en-US" dirty="0" err="1"/>
+              <a:t>y</a:t>
+            </a:r>
+            <a:r>
+              <a:rPr lang="en-US" dirty="0"/>
+              <a:t> = new Y();</a:t>
+            </a:r>
+          </a:p>
+          <a:p>
+            <a:r>
+              <a:rPr lang="en-US" dirty="0"/>
+              <a:t>        </a:t>
+            </a:r>
+            <a:r>
+              <a:rPr lang="en-US" dirty="0" err="1"/>
+              <a:t>y.GetDetails</a:t>
+            </a:r>
+            <a:r>
+              <a:rPr lang="en-US" dirty="0"/>
+              <a:t>();           </a:t>
+            </a:r>
+          </a:p>
+          <a:p>
+            <a:r>
+              <a:rPr lang="en-US" dirty="0"/>
+              <a:t>    }</a:t>
+            </a:r>
+          </a:p>
+          <a:p>
+            <a:r>
+              <a:rPr lang="en-US" dirty="0"/>
+              <a:t>}</a:t>
+            </a:r>
+          </a:p>
+        </p:txBody>
+      </p:sp>
+    </p:spTree>
+    <p:extLst>
+      <p:ext uri="{BB962C8B-B14F-4D97-AF65-F5344CB8AC3E}">
+        <p14:creationId xmlns:p14="http://schemas.microsoft.com/office/powerpoint/2010/main" val="2472862791"/>
+      </p:ext>
+    </p:extLst>
+  </p:cSld>
+  <p:clrMapOvr>
+    <a:masterClrMapping/>
+  </p:clrMapOvr>
+</p:sld>
+</file>
+
 <file path=ppt/slides/slide2.xml><?xml version="1.0" encoding="utf-8"?>
 <p:sld xmlns:a="http://schemas.openxmlformats.org/drawingml/2006/main" xmlns:r="http://schemas.openxmlformats.org/officeDocument/2006/relationships" xmlns:p="http://schemas.openxmlformats.org/presentationml/2006/main">
   <p:cSld>

--- a/Dotnet_framework.pptx
+++ b/Dotnet_framework.pptx
@@ -4,6 +4,9 @@
   <p:sldMasterIdLst>
     <p:sldMasterId id="2147483648" r:id="rId1"/>
   </p:sldMasterIdLst>
+  <p:notesMasterIdLst>
+    <p:notesMasterId r:id="rId16"/>
+  </p:notesMasterIdLst>
   <p:sldIdLst>
     <p:sldId id="256" r:id="rId2"/>
     <p:sldId id="257" r:id="rId3"/>
@@ -17,6 +20,8 @@
     <p:sldId id="267" r:id="rId11"/>
     <p:sldId id="268" r:id="rId12"/>
     <p:sldId id="269" r:id="rId13"/>
+    <p:sldId id="270" r:id="rId14"/>
+    <p:sldId id="271" r:id="rId15"/>
   </p:sldIdLst>
   <p:sldSz cx="9144000" cy="6858000" type="screen4x3"/>
   <p:notesSz cx="6858000" cy="9144000"/>
@@ -118,6 +123,1637 @@
 </p:presentation>
 </file>
 
+<file path=ppt/notesMasters/notesMaster1.xml><?xml version="1.0" encoding="utf-8"?>
+<p:notesMaster xmlns:a="http://schemas.openxmlformats.org/drawingml/2006/main" xmlns:r="http://schemas.openxmlformats.org/officeDocument/2006/relationships" xmlns:p="http://schemas.openxmlformats.org/presentationml/2006/main">
+  <p:cSld>
+    <p:bg>
+      <p:bgRef idx="1001">
+        <a:schemeClr val="bg1"/>
+      </p:bgRef>
+    </p:bg>
+    <p:spTree>
+      <p:nvGrpSpPr>
+        <p:cNvPr id="1" name=""/>
+        <p:cNvGrpSpPr/>
+        <p:nvPr/>
+      </p:nvGrpSpPr>
+      <p:grpSpPr>
+        <a:xfrm>
+          <a:off x="0" y="0"/>
+          <a:ext cx="0" cy="0"/>
+          <a:chOff x="0" y="0"/>
+          <a:chExt cx="0" cy="0"/>
+        </a:xfrm>
+      </p:grpSpPr>
+      <p:sp>
+        <p:nvSpPr>
+          <p:cNvPr id="2" name="Header Placeholder 1"/>
+          <p:cNvSpPr>
+            <a:spLocks noGrp="1"/>
+          </p:cNvSpPr>
+          <p:nvPr>
+            <p:ph type="hdr" sz="quarter"/>
+          </p:nvPr>
+        </p:nvSpPr>
+        <p:spPr>
+          <a:xfrm>
+            <a:off x="0" y="0"/>
+            <a:ext cx="2971800" cy="457200"/>
+          </a:xfrm>
+          <a:prstGeom prst="rect">
+            <a:avLst/>
+          </a:prstGeom>
+        </p:spPr>
+        <p:txBody>
+          <a:bodyPr vert="horz" lIns="91440" tIns="45720" rIns="91440" bIns="45720" rtlCol="0"/>
+          <a:lstStyle>
+            <a:lvl1pPr algn="l">
+              <a:defRPr sz="1200"/>
+            </a:lvl1pPr>
+          </a:lstStyle>
+          <a:p>
+            <a:endParaRPr lang="en-US"/>
+          </a:p>
+        </p:txBody>
+      </p:sp>
+      <p:sp>
+        <p:nvSpPr>
+          <p:cNvPr id="3" name="Date Placeholder 2"/>
+          <p:cNvSpPr>
+            <a:spLocks noGrp="1"/>
+          </p:cNvSpPr>
+          <p:nvPr>
+            <p:ph type="dt" idx="1"/>
+          </p:nvPr>
+        </p:nvSpPr>
+        <p:spPr>
+          <a:xfrm>
+            <a:off x="3884613" y="0"/>
+            <a:ext cx="2971800" cy="457200"/>
+          </a:xfrm>
+          <a:prstGeom prst="rect">
+            <a:avLst/>
+          </a:prstGeom>
+        </p:spPr>
+        <p:txBody>
+          <a:bodyPr vert="horz" lIns="91440" tIns="45720" rIns="91440" bIns="45720" rtlCol="0"/>
+          <a:lstStyle>
+            <a:lvl1pPr algn="r">
+              <a:defRPr sz="1200"/>
+            </a:lvl1pPr>
+          </a:lstStyle>
+          <a:p>
+            <a:fld id="{6924DD80-8F17-475A-989B-3B2819809404}" type="datetimeFigureOut">
+              <a:rPr lang="en-US" smtClean="0"/>
+              <a:t>9/2/2020</a:t>
+            </a:fld>
+            <a:endParaRPr lang="en-US"/>
+          </a:p>
+        </p:txBody>
+      </p:sp>
+      <p:sp>
+        <p:nvSpPr>
+          <p:cNvPr id="4" name="Slide Image Placeholder 3"/>
+          <p:cNvSpPr>
+            <a:spLocks noGrp="1" noRot="1" noChangeAspect="1"/>
+          </p:cNvSpPr>
+          <p:nvPr>
+            <p:ph type="sldImg" idx="2"/>
+          </p:nvPr>
+        </p:nvSpPr>
+        <p:spPr>
+          <a:xfrm>
+            <a:off x="1143000" y="685800"/>
+            <a:ext cx="4572000" cy="3429000"/>
+          </a:xfrm>
+          <a:prstGeom prst="rect">
+            <a:avLst/>
+          </a:prstGeom>
+          <a:noFill/>
+          <a:ln w="12700">
+            <a:solidFill>
+              <a:prstClr val="black"/>
+            </a:solidFill>
+          </a:ln>
+        </p:spPr>
+        <p:txBody>
+          <a:bodyPr vert="horz" lIns="91440" tIns="45720" rIns="91440" bIns="45720" rtlCol="0" anchor="ctr"/>
+          <a:lstStyle/>
+          <a:p>
+            <a:endParaRPr lang="en-US"/>
+          </a:p>
+        </p:txBody>
+      </p:sp>
+      <p:sp>
+        <p:nvSpPr>
+          <p:cNvPr id="5" name="Notes Placeholder 4"/>
+          <p:cNvSpPr>
+            <a:spLocks noGrp="1"/>
+          </p:cNvSpPr>
+          <p:nvPr>
+            <p:ph type="body" sz="quarter" idx="3"/>
+          </p:nvPr>
+        </p:nvSpPr>
+        <p:spPr>
+          <a:xfrm>
+            <a:off x="685800" y="4343400"/>
+            <a:ext cx="5486400" cy="4114800"/>
+          </a:xfrm>
+          <a:prstGeom prst="rect">
+            <a:avLst/>
+          </a:prstGeom>
+        </p:spPr>
+        <p:txBody>
+          <a:bodyPr vert="horz" lIns="91440" tIns="45720" rIns="91440" bIns="45720" rtlCol="0"/>
+          <a:lstStyle/>
+          <a:p>
+            <a:pPr lvl="0"/>
+            <a:r>
+              <a:rPr lang="en-US" smtClean="0"/>
+              <a:t>Click to edit Master text styles</a:t>
+            </a:r>
+          </a:p>
+          <a:p>
+            <a:pPr lvl="1"/>
+            <a:r>
+              <a:rPr lang="en-US" smtClean="0"/>
+              <a:t>Second level</a:t>
+            </a:r>
+          </a:p>
+          <a:p>
+            <a:pPr lvl="2"/>
+            <a:r>
+              <a:rPr lang="en-US" smtClean="0"/>
+              <a:t>Third level</a:t>
+            </a:r>
+          </a:p>
+          <a:p>
+            <a:pPr lvl="3"/>
+            <a:r>
+              <a:rPr lang="en-US" smtClean="0"/>
+              <a:t>Fourth level</a:t>
+            </a:r>
+          </a:p>
+          <a:p>
+            <a:pPr lvl="4"/>
+            <a:r>
+              <a:rPr lang="en-US" smtClean="0"/>
+              <a:t>Fifth level</a:t>
+            </a:r>
+            <a:endParaRPr lang="en-US"/>
+          </a:p>
+        </p:txBody>
+      </p:sp>
+      <p:sp>
+        <p:nvSpPr>
+          <p:cNvPr id="6" name="Footer Placeholder 5"/>
+          <p:cNvSpPr>
+            <a:spLocks noGrp="1"/>
+          </p:cNvSpPr>
+          <p:nvPr>
+            <p:ph type="ftr" sz="quarter" idx="4"/>
+          </p:nvPr>
+        </p:nvSpPr>
+        <p:spPr>
+          <a:xfrm>
+            <a:off x="0" y="8685213"/>
+            <a:ext cx="2971800" cy="457200"/>
+          </a:xfrm>
+          <a:prstGeom prst="rect">
+            <a:avLst/>
+          </a:prstGeom>
+        </p:spPr>
+        <p:txBody>
+          <a:bodyPr vert="horz" lIns="91440" tIns="45720" rIns="91440" bIns="45720" rtlCol="0" anchor="b"/>
+          <a:lstStyle>
+            <a:lvl1pPr algn="l">
+              <a:defRPr sz="1200"/>
+            </a:lvl1pPr>
+          </a:lstStyle>
+          <a:p>
+            <a:endParaRPr lang="en-US"/>
+          </a:p>
+        </p:txBody>
+      </p:sp>
+      <p:sp>
+        <p:nvSpPr>
+          <p:cNvPr id="7" name="Slide Number Placeholder 6"/>
+          <p:cNvSpPr>
+            <a:spLocks noGrp="1"/>
+          </p:cNvSpPr>
+          <p:nvPr>
+            <p:ph type="sldNum" sz="quarter" idx="5"/>
+          </p:nvPr>
+        </p:nvSpPr>
+        <p:spPr>
+          <a:xfrm>
+            <a:off x="3884613" y="8685213"/>
+            <a:ext cx="2971800" cy="457200"/>
+          </a:xfrm>
+          <a:prstGeom prst="rect">
+            <a:avLst/>
+          </a:prstGeom>
+        </p:spPr>
+        <p:txBody>
+          <a:bodyPr vert="horz" lIns="91440" tIns="45720" rIns="91440" bIns="45720" rtlCol="0" anchor="b"/>
+          <a:lstStyle>
+            <a:lvl1pPr algn="r">
+              <a:defRPr sz="1200"/>
+            </a:lvl1pPr>
+          </a:lstStyle>
+          <a:p>
+            <a:fld id="{F30427FA-AB51-4BF4-96AE-5C79808AE708}" type="slidenum">
+              <a:rPr lang="en-US" smtClean="0"/>
+              <a:t>‹#›</a:t>
+            </a:fld>
+            <a:endParaRPr lang="en-US"/>
+          </a:p>
+        </p:txBody>
+      </p:sp>
+    </p:spTree>
+    <p:extLst>
+      <p:ext uri="{BB962C8B-B14F-4D97-AF65-F5344CB8AC3E}">
+        <p14:creationId xmlns:p14="http://schemas.microsoft.com/office/powerpoint/2010/main" val="3532186803"/>
+      </p:ext>
+    </p:extLst>
+  </p:cSld>
+  <p:clrMap bg1="lt1" tx1="dk1" bg2="lt2" tx2="dk2" accent1="accent1" accent2="accent2" accent3="accent3" accent4="accent4" accent5="accent5" accent6="accent6" hlink="hlink" folHlink="folHlink"/>
+  <p:notesStyle>
+    <a:lvl1pPr marL="0" algn="l" defTabSz="914400" rtl="0" eaLnBrk="1" latinLnBrk="0" hangingPunct="1">
+      <a:defRPr sz="1200" kern="1200">
+        <a:solidFill>
+          <a:schemeClr val="tx1"/>
+        </a:solidFill>
+        <a:latin typeface="+mn-lt"/>
+        <a:ea typeface="+mn-ea"/>
+        <a:cs typeface="+mn-cs"/>
+      </a:defRPr>
+    </a:lvl1pPr>
+    <a:lvl2pPr marL="457200" algn="l" defTabSz="914400" rtl="0" eaLnBrk="1" latinLnBrk="0" hangingPunct="1">
+      <a:defRPr sz="1200" kern="1200">
+        <a:solidFill>
+          <a:schemeClr val="tx1"/>
+        </a:solidFill>
+        <a:latin typeface="+mn-lt"/>
+        <a:ea typeface="+mn-ea"/>
+        <a:cs typeface="+mn-cs"/>
+      </a:defRPr>
+    </a:lvl2pPr>
+    <a:lvl3pPr marL="914400" algn="l" defTabSz="914400" rtl="0" eaLnBrk="1" latinLnBrk="0" hangingPunct="1">
+      <a:defRPr sz="1200" kern="1200">
+        <a:solidFill>
+          <a:schemeClr val="tx1"/>
+        </a:solidFill>
+        <a:latin typeface="+mn-lt"/>
+        <a:ea typeface="+mn-ea"/>
+        <a:cs typeface="+mn-cs"/>
+      </a:defRPr>
+    </a:lvl3pPr>
+    <a:lvl4pPr marL="1371600" algn="l" defTabSz="914400" rtl="0" eaLnBrk="1" latinLnBrk="0" hangingPunct="1">
+      <a:defRPr sz="1200" kern="1200">
+        <a:solidFill>
+          <a:schemeClr val="tx1"/>
+        </a:solidFill>
+        <a:latin typeface="+mn-lt"/>
+        <a:ea typeface="+mn-ea"/>
+        <a:cs typeface="+mn-cs"/>
+      </a:defRPr>
+    </a:lvl4pPr>
+    <a:lvl5pPr marL="1828800" algn="l" defTabSz="914400" rtl="0" eaLnBrk="1" latinLnBrk="0" hangingPunct="1">
+      <a:defRPr sz="1200" kern="1200">
+        <a:solidFill>
+          <a:schemeClr val="tx1"/>
+        </a:solidFill>
+        <a:latin typeface="+mn-lt"/>
+        <a:ea typeface="+mn-ea"/>
+        <a:cs typeface="+mn-cs"/>
+      </a:defRPr>
+    </a:lvl5pPr>
+    <a:lvl6pPr marL="2286000" algn="l" defTabSz="914400" rtl="0" eaLnBrk="1" latinLnBrk="0" hangingPunct="1">
+      <a:defRPr sz="1200" kern="1200">
+        <a:solidFill>
+          <a:schemeClr val="tx1"/>
+        </a:solidFill>
+        <a:latin typeface="+mn-lt"/>
+        <a:ea typeface="+mn-ea"/>
+        <a:cs typeface="+mn-cs"/>
+      </a:defRPr>
+    </a:lvl6pPr>
+    <a:lvl7pPr marL="2743200" algn="l" defTabSz="914400" rtl="0" eaLnBrk="1" latinLnBrk="0" hangingPunct="1">
+      <a:defRPr sz="1200" kern="1200">
+        <a:solidFill>
+          <a:schemeClr val="tx1"/>
+        </a:solidFill>
+        <a:latin typeface="+mn-lt"/>
+        <a:ea typeface="+mn-ea"/>
+        <a:cs typeface="+mn-cs"/>
+      </a:defRPr>
+    </a:lvl7pPr>
+    <a:lvl8pPr marL="3200400" algn="l" defTabSz="914400" rtl="0" eaLnBrk="1" latinLnBrk="0" hangingPunct="1">
+      <a:defRPr sz="1200" kern="1200">
+        <a:solidFill>
+          <a:schemeClr val="tx1"/>
+        </a:solidFill>
+        <a:latin typeface="+mn-lt"/>
+        <a:ea typeface="+mn-ea"/>
+        <a:cs typeface="+mn-cs"/>
+      </a:defRPr>
+    </a:lvl8pPr>
+    <a:lvl9pPr marL="3657600" algn="l" defTabSz="914400" rtl="0" eaLnBrk="1" latinLnBrk="0" hangingPunct="1">
+      <a:defRPr sz="1200" kern="1200">
+        <a:solidFill>
+          <a:schemeClr val="tx1"/>
+        </a:solidFill>
+        <a:latin typeface="+mn-lt"/>
+        <a:ea typeface="+mn-ea"/>
+        <a:cs typeface="+mn-cs"/>
+      </a:defRPr>
+    </a:lvl9pPr>
+  </p:notesStyle>
+</p:notesMaster>
+</file>
+
+<file path=ppt/notesSlides/notesSlide1.xml><?xml version="1.0" encoding="utf-8"?>
+<p:notes xmlns:a="http://schemas.openxmlformats.org/drawingml/2006/main" xmlns:r="http://schemas.openxmlformats.org/officeDocument/2006/relationships" xmlns:p="http://schemas.openxmlformats.org/presentationml/2006/main">
+  <p:cSld>
+    <p:spTree>
+      <p:nvGrpSpPr>
+        <p:cNvPr id="1" name=""/>
+        <p:cNvGrpSpPr/>
+        <p:nvPr/>
+      </p:nvGrpSpPr>
+      <p:grpSpPr>
+        <a:xfrm>
+          <a:off x="0" y="0"/>
+          <a:ext cx="0" cy="0"/>
+          <a:chOff x="0" y="0"/>
+          <a:chExt cx="0" cy="0"/>
+        </a:xfrm>
+      </p:grpSpPr>
+      <p:sp>
+        <p:nvSpPr>
+          <p:cNvPr id="2" name="Slide Image Placeholder 1"/>
+          <p:cNvSpPr>
+            <a:spLocks noGrp="1" noRot="1" noChangeAspect="1"/>
+          </p:cNvSpPr>
+          <p:nvPr>
+            <p:ph type="sldImg"/>
+          </p:nvPr>
+        </p:nvSpPr>
+        <p:spPr/>
+      </p:sp>
+      <p:sp>
+        <p:nvSpPr>
+          <p:cNvPr id="3" name="Notes Placeholder 2"/>
+          <p:cNvSpPr>
+            <a:spLocks noGrp="1"/>
+          </p:cNvSpPr>
+          <p:nvPr>
+            <p:ph type="body" idx="1"/>
+          </p:nvPr>
+        </p:nvSpPr>
+        <p:spPr/>
+        <p:txBody>
+          <a:bodyPr/>
+          <a:lstStyle/>
+          <a:p>
+            <a:pPr fontAlgn="base"/>
+            <a:r>
+              <a:rPr lang="en-US" sz="1200" b="1" i="0" kern="1200" dirty="0" smtClean="0">
+                <a:solidFill>
+                  <a:schemeClr val="tx1"/>
+                </a:solidFill>
+                <a:effectLst/>
+                <a:latin typeface="+mn-lt"/>
+                <a:ea typeface="+mn-ea"/>
+                <a:cs typeface="+mn-cs"/>
+              </a:rPr>
+              <a:t>namespace </a:t>
+            </a:r>
+            <a:r>
+              <a:rPr lang="en-US" sz="1200" b="0" i="1" kern="1200" dirty="0" err="1" smtClean="0">
+                <a:solidFill>
+                  <a:schemeClr val="tx1"/>
+                </a:solidFill>
+                <a:effectLst/>
+                <a:latin typeface="+mn-lt"/>
+                <a:ea typeface="+mn-ea"/>
+                <a:cs typeface="+mn-cs"/>
+              </a:rPr>
+              <a:t>SingletonDemo</a:t>
+            </a:r>
+            <a:endParaRPr lang="en-US" sz="1200" b="0" i="0" kern="1200" dirty="0" smtClean="0">
+              <a:solidFill>
+                <a:schemeClr val="tx1"/>
+              </a:solidFill>
+              <a:effectLst/>
+              <a:latin typeface="+mn-lt"/>
+              <a:ea typeface="+mn-ea"/>
+              <a:cs typeface="+mn-cs"/>
+            </a:endParaRPr>
+          </a:p>
+          <a:p>
+            <a:pPr fontAlgn="base"/>
+            <a:r>
+              <a:rPr lang="en-US" sz="1200" b="1" i="0" kern="1200" dirty="0" smtClean="0">
+                <a:solidFill>
+                  <a:schemeClr val="tx1"/>
+                </a:solidFill>
+                <a:effectLst/>
+                <a:latin typeface="+mn-lt"/>
+                <a:ea typeface="+mn-ea"/>
+                <a:cs typeface="+mn-cs"/>
+              </a:rPr>
+              <a:t>{</a:t>
+            </a:r>
+            <a:endParaRPr lang="en-US" sz="1200" b="0" i="0" kern="1200" dirty="0" smtClean="0">
+              <a:solidFill>
+                <a:schemeClr val="tx1"/>
+              </a:solidFill>
+              <a:effectLst/>
+              <a:latin typeface="+mn-lt"/>
+              <a:ea typeface="+mn-ea"/>
+              <a:cs typeface="+mn-cs"/>
+            </a:endParaRPr>
+          </a:p>
+          <a:p>
+            <a:pPr fontAlgn="base"/>
+            <a:r>
+              <a:rPr lang="en-US" sz="1200" b="1" i="0" kern="1200" dirty="0" smtClean="0">
+                <a:solidFill>
+                  <a:schemeClr val="tx1"/>
+                </a:solidFill>
+                <a:effectLst/>
+                <a:latin typeface="+mn-lt"/>
+                <a:ea typeface="+mn-ea"/>
+                <a:cs typeface="+mn-cs"/>
+              </a:rPr>
+              <a:t>public</a:t>
+            </a:r>
+            <a:r>
+              <a:rPr lang="en-US" sz="1200" b="0" i="0" kern="1200" dirty="0" smtClean="0">
+                <a:solidFill>
+                  <a:schemeClr val="tx1"/>
+                </a:solidFill>
+                <a:effectLst/>
+                <a:latin typeface="+mn-lt"/>
+                <a:ea typeface="+mn-ea"/>
+                <a:cs typeface="+mn-cs"/>
+              </a:rPr>
+              <a:t> </a:t>
+            </a:r>
+            <a:r>
+              <a:rPr lang="en-US" sz="1200" b="1" i="0" kern="1200" dirty="0" smtClean="0">
+                <a:solidFill>
+                  <a:schemeClr val="tx1"/>
+                </a:solidFill>
+                <a:effectLst/>
+                <a:latin typeface="+mn-lt"/>
+                <a:ea typeface="+mn-ea"/>
+                <a:cs typeface="+mn-cs"/>
+              </a:rPr>
+              <a:t>class</a:t>
+            </a:r>
+            <a:r>
+              <a:rPr lang="en-US" sz="1200" b="0" i="0" kern="1200" dirty="0" smtClean="0">
+                <a:solidFill>
+                  <a:schemeClr val="tx1"/>
+                </a:solidFill>
+                <a:effectLst/>
+                <a:latin typeface="+mn-lt"/>
+                <a:ea typeface="+mn-ea"/>
+                <a:cs typeface="+mn-cs"/>
+              </a:rPr>
+              <a:t> Singleton</a:t>
+            </a:r>
+          </a:p>
+          <a:p>
+            <a:pPr fontAlgn="base"/>
+            <a:r>
+              <a:rPr lang="en-US" sz="1200" b="1" i="0" kern="1200" dirty="0" smtClean="0">
+                <a:solidFill>
+                  <a:schemeClr val="tx1"/>
+                </a:solidFill>
+                <a:effectLst/>
+                <a:latin typeface="+mn-lt"/>
+                <a:ea typeface="+mn-ea"/>
+                <a:cs typeface="+mn-cs"/>
+              </a:rPr>
+              <a:t>{</a:t>
+            </a:r>
+            <a:endParaRPr lang="en-US" sz="1200" b="0" i="0" kern="1200" dirty="0" smtClean="0">
+              <a:solidFill>
+                <a:schemeClr val="tx1"/>
+              </a:solidFill>
+              <a:effectLst/>
+              <a:latin typeface="+mn-lt"/>
+              <a:ea typeface="+mn-ea"/>
+              <a:cs typeface="+mn-cs"/>
+            </a:endParaRPr>
+          </a:p>
+          <a:p>
+            <a:pPr fontAlgn="base"/>
+            <a:r>
+              <a:rPr lang="en-US" sz="1200" b="1" i="0" kern="1200" dirty="0" smtClean="0">
+                <a:solidFill>
+                  <a:schemeClr val="tx1"/>
+                </a:solidFill>
+                <a:effectLst/>
+                <a:latin typeface="+mn-lt"/>
+                <a:ea typeface="+mn-ea"/>
+                <a:cs typeface="+mn-cs"/>
+              </a:rPr>
+              <a:t>private</a:t>
+            </a:r>
+            <a:r>
+              <a:rPr lang="en-US" sz="1200" b="0" i="0" kern="1200" dirty="0" smtClean="0">
+                <a:solidFill>
+                  <a:schemeClr val="tx1"/>
+                </a:solidFill>
+                <a:effectLst/>
+                <a:latin typeface="+mn-lt"/>
+                <a:ea typeface="+mn-ea"/>
+                <a:cs typeface="+mn-cs"/>
+              </a:rPr>
+              <a:t> </a:t>
+            </a:r>
+            <a:r>
+              <a:rPr lang="en-US" sz="1200" b="1" i="0" kern="1200" dirty="0" smtClean="0">
+                <a:solidFill>
+                  <a:schemeClr val="tx1"/>
+                </a:solidFill>
+                <a:effectLst/>
+                <a:latin typeface="+mn-lt"/>
+                <a:ea typeface="+mn-ea"/>
+                <a:cs typeface="+mn-cs"/>
+              </a:rPr>
+              <a:t>static</a:t>
+            </a:r>
+            <a:r>
+              <a:rPr lang="en-US" sz="1200" b="0" i="0" kern="1200" dirty="0" smtClean="0">
+                <a:solidFill>
+                  <a:schemeClr val="tx1"/>
+                </a:solidFill>
+                <a:effectLst/>
+                <a:latin typeface="+mn-lt"/>
+                <a:ea typeface="+mn-ea"/>
+                <a:cs typeface="+mn-cs"/>
+              </a:rPr>
+              <a:t> </a:t>
+            </a:r>
+            <a:r>
+              <a:rPr lang="en-US" sz="1200" b="1" i="0" kern="1200" dirty="0" err="1" smtClean="0">
+                <a:solidFill>
+                  <a:schemeClr val="tx1"/>
+                </a:solidFill>
+                <a:effectLst/>
+                <a:latin typeface="+mn-lt"/>
+                <a:ea typeface="+mn-ea"/>
+                <a:cs typeface="+mn-cs"/>
+              </a:rPr>
+              <a:t>int</a:t>
+            </a:r>
+            <a:r>
+              <a:rPr lang="en-US" sz="1200" b="0" i="0" kern="1200" dirty="0" smtClean="0">
+                <a:solidFill>
+                  <a:schemeClr val="tx1"/>
+                </a:solidFill>
+                <a:effectLst/>
+                <a:latin typeface="+mn-lt"/>
+                <a:ea typeface="+mn-ea"/>
+                <a:cs typeface="+mn-cs"/>
+              </a:rPr>
+              <a:t> counter = 0; </a:t>
+            </a:r>
+          </a:p>
+          <a:p>
+            <a:pPr fontAlgn="base"/>
+            <a:r>
+              <a:rPr lang="en-US" sz="1200" b="1" i="0" kern="1200" dirty="0" smtClean="0">
+                <a:solidFill>
+                  <a:schemeClr val="tx1"/>
+                </a:solidFill>
+                <a:effectLst/>
+                <a:latin typeface="+mn-lt"/>
+                <a:ea typeface="+mn-ea"/>
+                <a:cs typeface="+mn-cs"/>
+              </a:rPr>
+              <a:t>private</a:t>
+            </a:r>
+            <a:r>
+              <a:rPr lang="en-US" sz="1200" b="0" i="0" kern="1200" dirty="0" smtClean="0">
+                <a:solidFill>
+                  <a:schemeClr val="tx1"/>
+                </a:solidFill>
+                <a:effectLst/>
+                <a:latin typeface="+mn-lt"/>
+                <a:ea typeface="+mn-ea"/>
+                <a:cs typeface="+mn-cs"/>
+              </a:rPr>
+              <a:t> </a:t>
+            </a:r>
+            <a:r>
+              <a:rPr lang="en-US" sz="1200" b="1" i="0" kern="1200" dirty="0" smtClean="0">
+                <a:solidFill>
+                  <a:schemeClr val="tx1"/>
+                </a:solidFill>
+                <a:effectLst/>
+                <a:latin typeface="+mn-lt"/>
+                <a:ea typeface="+mn-ea"/>
+                <a:cs typeface="+mn-cs"/>
+              </a:rPr>
+              <a:t>static</a:t>
+            </a:r>
+            <a:r>
+              <a:rPr lang="en-US" sz="1200" b="0" i="0" kern="1200" dirty="0" smtClean="0">
+                <a:solidFill>
+                  <a:schemeClr val="tx1"/>
+                </a:solidFill>
+                <a:effectLst/>
+                <a:latin typeface="+mn-lt"/>
+                <a:ea typeface="+mn-ea"/>
+                <a:cs typeface="+mn-cs"/>
+              </a:rPr>
+              <a:t> Singleton instance = </a:t>
+            </a:r>
+            <a:r>
+              <a:rPr lang="en-US" sz="1200" b="1" i="0" kern="1200" dirty="0" smtClean="0">
+                <a:solidFill>
+                  <a:schemeClr val="tx1"/>
+                </a:solidFill>
+                <a:effectLst/>
+                <a:latin typeface="+mn-lt"/>
+                <a:ea typeface="+mn-ea"/>
+                <a:cs typeface="+mn-cs"/>
+              </a:rPr>
+              <a:t>null</a:t>
+            </a:r>
+            <a:r>
+              <a:rPr lang="en-US" sz="1200" b="0" i="0" kern="1200" dirty="0" smtClean="0">
+                <a:solidFill>
+                  <a:schemeClr val="tx1"/>
+                </a:solidFill>
+                <a:effectLst/>
+                <a:latin typeface="+mn-lt"/>
+                <a:ea typeface="+mn-ea"/>
+                <a:cs typeface="+mn-cs"/>
+              </a:rPr>
+              <a:t>; </a:t>
+            </a:r>
+          </a:p>
+          <a:p>
+            <a:pPr fontAlgn="base"/>
+            <a:r>
+              <a:rPr lang="en-US" sz="1200" b="1" i="0" kern="1200" dirty="0" smtClean="0">
+                <a:solidFill>
+                  <a:schemeClr val="tx1"/>
+                </a:solidFill>
+                <a:effectLst/>
+                <a:latin typeface="+mn-lt"/>
+                <a:ea typeface="+mn-ea"/>
+                <a:cs typeface="+mn-cs"/>
+              </a:rPr>
+              <a:t>public</a:t>
+            </a:r>
+            <a:r>
+              <a:rPr lang="en-US" sz="1200" b="0" i="0" kern="1200" dirty="0" smtClean="0">
+                <a:solidFill>
+                  <a:schemeClr val="tx1"/>
+                </a:solidFill>
+                <a:effectLst/>
+                <a:latin typeface="+mn-lt"/>
+                <a:ea typeface="+mn-ea"/>
+                <a:cs typeface="+mn-cs"/>
+              </a:rPr>
+              <a:t> </a:t>
+            </a:r>
+            <a:r>
+              <a:rPr lang="en-US" sz="1200" b="1" i="0" kern="1200" dirty="0" smtClean="0">
+                <a:solidFill>
+                  <a:schemeClr val="tx1"/>
+                </a:solidFill>
+                <a:effectLst/>
+                <a:latin typeface="+mn-lt"/>
+                <a:ea typeface="+mn-ea"/>
+                <a:cs typeface="+mn-cs"/>
+              </a:rPr>
+              <a:t>static</a:t>
+            </a:r>
+            <a:r>
+              <a:rPr lang="en-US" sz="1200" b="0" i="0" kern="1200" dirty="0" smtClean="0">
+                <a:solidFill>
+                  <a:schemeClr val="tx1"/>
+                </a:solidFill>
+                <a:effectLst/>
+                <a:latin typeface="+mn-lt"/>
+                <a:ea typeface="+mn-ea"/>
+                <a:cs typeface="+mn-cs"/>
+              </a:rPr>
+              <a:t> Singleton </a:t>
+            </a:r>
+            <a:r>
+              <a:rPr lang="en-US" sz="1200" b="0" i="0" kern="1200" dirty="0" err="1" smtClean="0">
+                <a:solidFill>
+                  <a:schemeClr val="tx1"/>
+                </a:solidFill>
+                <a:effectLst/>
+                <a:latin typeface="+mn-lt"/>
+                <a:ea typeface="+mn-ea"/>
+                <a:cs typeface="+mn-cs"/>
+              </a:rPr>
+              <a:t>GetInstance</a:t>
+            </a:r>
+            <a:endParaRPr lang="en-US" sz="1200" b="0" i="0" kern="1200" dirty="0" smtClean="0">
+              <a:solidFill>
+                <a:schemeClr val="tx1"/>
+              </a:solidFill>
+              <a:effectLst/>
+              <a:latin typeface="+mn-lt"/>
+              <a:ea typeface="+mn-ea"/>
+              <a:cs typeface="+mn-cs"/>
+            </a:endParaRPr>
+          </a:p>
+          <a:p>
+            <a:pPr fontAlgn="base"/>
+            <a:r>
+              <a:rPr lang="en-US" sz="1200" b="1" i="0" kern="1200" dirty="0" smtClean="0">
+                <a:solidFill>
+                  <a:schemeClr val="tx1"/>
+                </a:solidFill>
+                <a:effectLst/>
+                <a:latin typeface="+mn-lt"/>
+                <a:ea typeface="+mn-ea"/>
+                <a:cs typeface="+mn-cs"/>
+              </a:rPr>
+              <a:t>{</a:t>
+            </a:r>
+            <a:endParaRPr lang="en-US" sz="1200" b="0" i="0" kern="1200" dirty="0" smtClean="0">
+              <a:solidFill>
+                <a:schemeClr val="tx1"/>
+              </a:solidFill>
+              <a:effectLst/>
+              <a:latin typeface="+mn-lt"/>
+              <a:ea typeface="+mn-ea"/>
+              <a:cs typeface="+mn-cs"/>
+            </a:endParaRPr>
+          </a:p>
+          <a:p>
+            <a:pPr fontAlgn="base"/>
+            <a:r>
+              <a:rPr lang="en-US" sz="1200" b="1" i="0" kern="1200" dirty="0" smtClean="0">
+                <a:solidFill>
+                  <a:schemeClr val="tx1"/>
+                </a:solidFill>
+                <a:effectLst/>
+                <a:latin typeface="+mn-lt"/>
+                <a:ea typeface="+mn-ea"/>
+                <a:cs typeface="+mn-cs"/>
+              </a:rPr>
+              <a:t>get</a:t>
+            </a:r>
+            <a:endParaRPr lang="en-US" sz="1200" b="0" i="0" kern="1200" dirty="0" smtClean="0">
+              <a:solidFill>
+                <a:schemeClr val="tx1"/>
+              </a:solidFill>
+              <a:effectLst/>
+              <a:latin typeface="+mn-lt"/>
+              <a:ea typeface="+mn-ea"/>
+              <a:cs typeface="+mn-cs"/>
+            </a:endParaRPr>
+          </a:p>
+          <a:p>
+            <a:pPr fontAlgn="base"/>
+            <a:r>
+              <a:rPr lang="en-US" sz="1200" b="1" i="0" kern="1200" dirty="0" smtClean="0">
+                <a:solidFill>
+                  <a:schemeClr val="tx1"/>
+                </a:solidFill>
+                <a:effectLst/>
+                <a:latin typeface="+mn-lt"/>
+                <a:ea typeface="+mn-ea"/>
+                <a:cs typeface="+mn-cs"/>
+              </a:rPr>
+              <a:t>{</a:t>
+            </a:r>
+            <a:endParaRPr lang="en-US" sz="1200" b="0" i="0" kern="1200" dirty="0" smtClean="0">
+              <a:solidFill>
+                <a:schemeClr val="tx1"/>
+              </a:solidFill>
+              <a:effectLst/>
+              <a:latin typeface="+mn-lt"/>
+              <a:ea typeface="+mn-ea"/>
+              <a:cs typeface="+mn-cs"/>
+            </a:endParaRPr>
+          </a:p>
+          <a:p>
+            <a:pPr fontAlgn="base"/>
+            <a:r>
+              <a:rPr lang="en-US" sz="1200" b="1" i="0" kern="1200" dirty="0" smtClean="0">
+                <a:solidFill>
+                  <a:schemeClr val="tx1"/>
+                </a:solidFill>
+                <a:effectLst/>
+                <a:latin typeface="+mn-lt"/>
+                <a:ea typeface="+mn-ea"/>
+                <a:cs typeface="+mn-cs"/>
+              </a:rPr>
+              <a:t>if</a:t>
+            </a:r>
+            <a:r>
+              <a:rPr lang="en-US" sz="1200" b="0" i="0" kern="1200" dirty="0" smtClean="0">
+                <a:solidFill>
+                  <a:schemeClr val="tx1"/>
+                </a:solidFill>
+                <a:effectLst/>
+                <a:latin typeface="+mn-lt"/>
+                <a:ea typeface="+mn-ea"/>
+                <a:cs typeface="+mn-cs"/>
+              </a:rPr>
+              <a:t> </a:t>
+            </a:r>
+            <a:r>
+              <a:rPr lang="en-US" sz="1200" b="1" i="0" kern="1200" dirty="0" smtClean="0">
+                <a:solidFill>
+                  <a:schemeClr val="tx1"/>
+                </a:solidFill>
+                <a:effectLst/>
+                <a:latin typeface="+mn-lt"/>
+                <a:ea typeface="+mn-ea"/>
+                <a:cs typeface="+mn-cs"/>
+              </a:rPr>
+              <a:t>(</a:t>
+            </a:r>
+            <a:r>
+              <a:rPr lang="en-US" sz="1200" b="0" i="0" kern="1200" dirty="0" smtClean="0">
+                <a:solidFill>
+                  <a:schemeClr val="tx1"/>
+                </a:solidFill>
+                <a:effectLst/>
+                <a:latin typeface="+mn-lt"/>
+                <a:ea typeface="+mn-ea"/>
+                <a:cs typeface="+mn-cs"/>
+              </a:rPr>
+              <a:t>instance == </a:t>
+            </a:r>
+            <a:r>
+              <a:rPr lang="en-US" sz="1200" b="1" i="0" kern="1200" dirty="0" smtClean="0">
+                <a:solidFill>
+                  <a:schemeClr val="tx1"/>
+                </a:solidFill>
+                <a:effectLst/>
+                <a:latin typeface="+mn-lt"/>
+                <a:ea typeface="+mn-ea"/>
+                <a:cs typeface="+mn-cs"/>
+              </a:rPr>
+              <a:t>null)</a:t>
+            </a:r>
+            <a:endParaRPr lang="en-US" sz="1200" b="0" i="0" kern="1200" dirty="0" smtClean="0">
+              <a:solidFill>
+                <a:schemeClr val="tx1"/>
+              </a:solidFill>
+              <a:effectLst/>
+              <a:latin typeface="+mn-lt"/>
+              <a:ea typeface="+mn-ea"/>
+              <a:cs typeface="+mn-cs"/>
+            </a:endParaRPr>
+          </a:p>
+          <a:p>
+            <a:pPr fontAlgn="base"/>
+            <a:r>
+              <a:rPr lang="en-US" sz="1200" b="0" i="0" kern="1200" dirty="0" smtClean="0">
+                <a:solidFill>
+                  <a:schemeClr val="tx1"/>
+                </a:solidFill>
+                <a:effectLst/>
+                <a:latin typeface="+mn-lt"/>
+                <a:ea typeface="+mn-ea"/>
+                <a:cs typeface="+mn-cs"/>
+              </a:rPr>
+              <a:t>instance = new Singleton</a:t>
+            </a:r>
+            <a:r>
+              <a:rPr lang="en-US" sz="1200" b="1" i="0" kern="1200" dirty="0" smtClean="0">
+                <a:solidFill>
+                  <a:schemeClr val="tx1"/>
+                </a:solidFill>
+                <a:effectLst/>
+                <a:latin typeface="+mn-lt"/>
+                <a:ea typeface="+mn-ea"/>
+                <a:cs typeface="+mn-cs"/>
+              </a:rPr>
+              <a:t>()</a:t>
+            </a:r>
+            <a:r>
+              <a:rPr lang="en-US" sz="1200" b="0" i="0" kern="1200" dirty="0" smtClean="0">
+                <a:solidFill>
+                  <a:schemeClr val="tx1"/>
+                </a:solidFill>
+                <a:effectLst/>
+                <a:latin typeface="+mn-lt"/>
+                <a:ea typeface="+mn-ea"/>
+                <a:cs typeface="+mn-cs"/>
+              </a:rPr>
+              <a:t>;</a:t>
+            </a:r>
+          </a:p>
+          <a:p>
+            <a:pPr fontAlgn="base"/>
+            <a:r>
+              <a:rPr lang="en-US" sz="1200" b="1" i="0" kern="1200" dirty="0" smtClean="0">
+                <a:solidFill>
+                  <a:schemeClr val="tx1"/>
+                </a:solidFill>
+                <a:effectLst/>
+                <a:latin typeface="+mn-lt"/>
+                <a:ea typeface="+mn-ea"/>
+                <a:cs typeface="+mn-cs"/>
+              </a:rPr>
+              <a:t>return</a:t>
+            </a:r>
+            <a:r>
+              <a:rPr lang="en-US" sz="1200" b="0" i="0" kern="1200" dirty="0" smtClean="0">
+                <a:solidFill>
+                  <a:schemeClr val="tx1"/>
+                </a:solidFill>
+                <a:effectLst/>
+                <a:latin typeface="+mn-lt"/>
+                <a:ea typeface="+mn-ea"/>
+                <a:cs typeface="+mn-cs"/>
+              </a:rPr>
+              <a:t> instance;</a:t>
+            </a:r>
+          </a:p>
+          <a:p>
+            <a:pPr fontAlgn="base"/>
+            <a:r>
+              <a:rPr lang="en-US" sz="1200" b="1" i="0" kern="1200" dirty="0" smtClean="0">
+                <a:solidFill>
+                  <a:schemeClr val="tx1"/>
+                </a:solidFill>
+                <a:effectLst/>
+                <a:latin typeface="+mn-lt"/>
+                <a:ea typeface="+mn-ea"/>
+                <a:cs typeface="+mn-cs"/>
+              </a:rPr>
+              <a:t>}</a:t>
+            </a:r>
+            <a:endParaRPr lang="en-US" sz="1200" b="0" i="0" kern="1200" dirty="0" smtClean="0">
+              <a:solidFill>
+                <a:schemeClr val="tx1"/>
+              </a:solidFill>
+              <a:effectLst/>
+              <a:latin typeface="+mn-lt"/>
+              <a:ea typeface="+mn-ea"/>
+              <a:cs typeface="+mn-cs"/>
+            </a:endParaRPr>
+          </a:p>
+          <a:p>
+            <a:pPr fontAlgn="base"/>
+            <a:r>
+              <a:rPr lang="en-US" sz="1200" b="1" i="0" kern="1200" dirty="0" smtClean="0">
+                <a:solidFill>
+                  <a:schemeClr val="tx1"/>
+                </a:solidFill>
+                <a:effectLst/>
+                <a:latin typeface="+mn-lt"/>
+                <a:ea typeface="+mn-ea"/>
+                <a:cs typeface="+mn-cs"/>
+              </a:rPr>
+              <a:t>}</a:t>
+            </a:r>
+            <a:r>
+              <a:rPr lang="en-US" sz="1200" b="0" i="0" kern="1200" dirty="0" smtClean="0">
+                <a:solidFill>
+                  <a:schemeClr val="tx1"/>
+                </a:solidFill>
+                <a:effectLst/>
+                <a:latin typeface="+mn-lt"/>
+                <a:ea typeface="+mn-ea"/>
+                <a:cs typeface="+mn-cs"/>
+              </a:rPr>
+              <a:t> </a:t>
+            </a:r>
+          </a:p>
+          <a:p>
+            <a:pPr fontAlgn="base"/>
+            <a:r>
+              <a:rPr lang="en-US" sz="1200" b="1" i="0" kern="1200" dirty="0" smtClean="0">
+                <a:solidFill>
+                  <a:schemeClr val="tx1"/>
+                </a:solidFill>
+                <a:effectLst/>
+                <a:latin typeface="+mn-lt"/>
+                <a:ea typeface="+mn-ea"/>
+                <a:cs typeface="+mn-cs"/>
+              </a:rPr>
+              <a:t>private</a:t>
+            </a:r>
+            <a:r>
+              <a:rPr lang="en-US" sz="1200" b="0" i="0" kern="1200" dirty="0" smtClean="0">
+                <a:solidFill>
+                  <a:schemeClr val="tx1"/>
+                </a:solidFill>
+                <a:effectLst/>
+                <a:latin typeface="+mn-lt"/>
+                <a:ea typeface="+mn-ea"/>
+                <a:cs typeface="+mn-cs"/>
+              </a:rPr>
+              <a:t> Singleton</a:t>
+            </a:r>
+            <a:r>
+              <a:rPr lang="en-US" sz="1200" b="1" i="0" kern="1200" dirty="0" smtClean="0">
+                <a:solidFill>
+                  <a:schemeClr val="tx1"/>
+                </a:solidFill>
+                <a:effectLst/>
+                <a:latin typeface="+mn-lt"/>
+                <a:ea typeface="+mn-ea"/>
+                <a:cs typeface="+mn-cs"/>
+              </a:rPr>
+              <a:t>()</a:t>
+            </a:r>
+            <a:endParaRPr lang="en-US" sz="1200" b="0" i="0" kern="1200" dirty="0" smtClean="0">
+              <a:solidFill>
+                <a:schemeClr val="tx1"/>
+              </a:solidFill>
+              <a:effectLst/>
+              <a:latin typeface="+mn-lt"/>
+              <a:ea typeface="+mn-ea"/>
+              <a:cs typeface="+mn-cs"/>
+            </a:endParaRPr>
+          </a:p>
+          <a:p>
+            <a:pPr fontAlgn="base"/>
+            <a:r>
+              <a:rPr lang="en-US" sz="1200" b="1" i="0" kern="1200" dirty="0" smtClean="0">
+                <a:solidFill>
+                  <a:schemeClr val="tx1"/>
+                </a:solidFill>
+                <a:effectLst/>
+                <a:latin typeface="+mn-lt"/>
+                <a:ea typeface="+mn-ea"/>
+                <a:cs typeface="+mn-cs"/>
+              </a:rPr>
+              <a:t>{</a:t>
+            </a:r>
+            <a:endParaRPr lang="en-US" sz="1200" b="0" i="0" kern="1200" dirty="0" smtClean="0">
+              <a:solidFill>
+                <a:schemeClr val="tx1"/>
+              </a:solidFill>
+              <a:effectLst/>
+              <a:latin typeface="+mn-lt"/>
+              <a:ea typeface="+mn-ea"/>
+              <a:cs typeface="+mn-cs"/>
+            </a:endParaRPr>
+          </a:p>
+          <a:p>
+            <a:pPr fontAlgn="base"/>
+            <a:r>
+              <a:rPr lang="en-US" sz="1200" b="0" i="0" kern="1200" dirty="0" smtClean="0">
+                <a:solidFill>
+                  <a:schemeClr val="tx1"/>
+                </a:solidFill>
+                <a:effectLst/>
+                <a:latin typeface="+mn-lt"/>
+                <a:ea typeface="+mn-ea"/>
+                <a:cs typeface="+mn-cs"/>
+              </a:rPr>
+              <a:t>counter++;</a:t>
+            </a:r>
+          </a:p>
+          <a:p>
+            <a:pPr fontAlgn="base"/>
+            <a:r>
+              <a:rPr lang="en-US" sz="1200" b="0" i="0" kern="1200" dirty="0" err="1" smtClean="0">
+                <a:solidFill>
+                  <a:schemeClr val="tx1"/>
+                </a:solidFill>
+                <a:effectLst/>
+                <a:latin typeface="+mn-lt"/>
+                <a:ea typeface="+mn-ea"/>
+                <a:cs typeface="+mn-cs"/>
+              </a:rPr>
+              <a:t>Console.WriteLine</a:t>
+            </a:r>
+            <a:r>
+              <a:rPr lang="en-US" sz="1200" b="1" i="0" kern="1200" dirty="0" smtClean="0">
+                <a:solidFill>
+                  <a:schemeClr val="tx1"/>
+                </a:solidFill>
+                <a:effectLst/>
+                <a:latin typeface="+mn-lt"/>
+                <a:ea typeface="+mn-ea"/>
+                <a:cs typeface="+mn-cs"/>
+              </a:rPr>
+              <a:t>(</a:t>
+            </a:r>
+            <a:r>
+              <a:rPr lang="en-US" sz="1200" b="0" i="0" kern="1200" dirty="0" smtClean="0">
+                <a:solidFill>
+                  <a:schemeClr val="tx1"/>
+                </a:solidFill>
+                <a:effectLst/>
+                <a:latin typeface="+mn-lt"/>
+                <a:ea typeface="+mn-ea"/>
+                <a:cs typeface="+mn-cs"/>
+              </a:rPr>
+              <a:t>"Counter Value " + </a:t>
+            </a:r>
+            <a:r>
+              <a:rPr lang="en-US" sz="1200" b="0" i="0" kern="1200" dirty="0" err="1" smtClean="0">
+                <a:solidFill>
+                  <a:schemeClr val="tx1"/>
+                </a:solidFill>
+                <a:effectLst/>
+                <a:latin typeface="+mn-lt"/>
+                <a:ea typeface="+mn-ea"/>
+                <a:cs typeface="+mn-cs"/>
+              </a:rPr>
+              <a:t>counter.ToString</a:t>
+            </a:r>
+            <a:r>
+              <a:rPr lang="en-US" sz="1200" b="1" i="0" kern="1200" dirty="0" smtClean="0">
+                <a:solidFill>
+                  <a:schemeClr val="tx1"/>
+                </a:solidFill>
+                <a:effectLst/>
+                <a:latin typeface="+mn-lt"/>
+                <a:ea typeface="+mn-ea"/>
+                <a:cs typeface="+mn-cs"/>
+              </a:rPr>
+              <a:t>())</a:t>
+            </a:r>
+            <a:r>
+              <a:rPr lang="en-US" sz="1200" b="0" i="0" kern="1200" dirty="0" smtClean="0">
+                <a:solidFill>
+                  <a:schemeClr val="tx1"/>
+                </a:solidFill>
+                <a:effectLst/>
+                <a:latin typeface="+mn-lt"/>
+                <a:ea typeface="+mn-ea"/>
+                <a:cs typeface="+mn-cs"/>
+              </a:rPr>
+              <a:t>;</a:t>
+            </a:r>
+          </a:p>
+          <a:p>
+            <a:pPr fontAlgn="base"/>
+            <a:r>
+              <a:rPr lang="en-US" sz="1200" b="1" i="0" kern="1200" dirty="0" smtClean="0">
+                <a:solidFill>
+                  <a:schemeClr val="tx1"/>
+                </a:solidFill>
+                <a:effectLst/>
+                <a:latin typeface="+mn-lt"/>
+                <a:ea typeface="+mn-ea"/>
+                <a:cs typeface="+mn-cs"/>
+              </a:rPr>
+              <a:t>}</a:t>
+            </a:r>
+            <a:r>
+              <a:rPr lang="en-US" sz="1200" b="0" i="0" kern="1200" dirty="0" smtClean="0">
+                <a:solidFill>
+                  <a:schemeClr val="tx1"/>
+                </a:solidFill>
+                <a:effectLst/>
+                <a:latin typeface="+mn-lt"/>
+                <a:ea typeface="+mn-ea"/>
+                <a:cs typeface="+mn-cs"/>
+              </a:rPr>
+              <a:t> </a:t>
+            </a:r>
+          </a:p>
+          <a:p>
+            <a:pPr fontAlgn="base"/>
+            <a:r>
+              <a:rPr lang="en-US" sz="1200" b="1" i="0" kern="1200" dirty="0" smtClean="0">
+                <a:solidFill>
+                  <a:schemeClr val="tx1"/>
+                </a:solidFill>
+                <a:effectLst/>
+                <a:latin typeface="+mn-lt"/>
+                <a:ea typeface="+mn-ea"/>
+                <a:cs typeface="+mn-cs"/>
+              </a:rPr>
+              <a:t>public</a:t>
+            </a:r>
+            <a:r>
+              <a:rPr lang="en-US" sz="1200" b="0" i="0" kern="1200" dirty="0" smtClean="0">
+                <a:solidFill>
+                  <a:schemeClr val="tx1"/>
+                </a:solidFill>
+                <a:effectLst/>
+                <a:latin typeface="+mn-lt"/>
+                <a:ea typeface="+mn-ea"/>
+                <a:cs typeface="+mn-cs"/>
+              </a:rPr>
+              <a:t> </a:t>
+            </a:r>
+            <a:r>
+              <a:rPr lang="en-US" sz="1200" b="1" i="0" kern="1200" dirty="0" smtClean="0">
+                <a:solidFill>
+                  <a:schemeClr val="tx1"/>
+                </a:solidFill>
+                <a:effectLst/>
+                <a:latin typeface="+mn-lt"/>
+                <a:ea typeface="+mn-ea"/>
+                <a:cs typeface="+mn-cs"/>
+              </a:rPr>
+              <a:t>void</a:t>
+            </a:r>
+            <a:r>
+              <a:rPr lang="en-US" sz="1200" b="0" i="0" kern="1200" dirty="0" smtClean="0">
+                <a:solidFill>
+                  <a:schemeClr val="tx1"/>
+                </a:solidFill>
+                <a:effectLst/>
+                <a:latin typeface="+mn-lt"/>
+                <a:ea typeface="+mn-ea"/>
+                <a:cs typeface="+mn-cs"/>
+              </a:rPr>
+              <a:t> </a:t>
+            </a:r>
+            <a:r>
+              <a:rPr lang="en-US" sz="1200" b="0" i="0" kern="1200" dirty="0" err="1" smtClean="0">
+                <a:solidFill>
+                  <a:schemeClr val="tx1"/>
+                </a:solidFill>
+                <a:effectLst/>
+                <a:latin typeface="+mn-lt"/>
+                <a:ea typeface="+mn-ea"/>
+                <a:cs typeface="+mn-cs"/>
+              </a:rPr>
+              <a:t>PrintDetails</a:t>
+            </a:r>
+            <a:r>
+              <a:rPr lang="en-US" sz="1200" b="1" i="0" kern="1200" dirty="0" smtClean="0">
+                <a:solidFill>
+                  <a:schemeClr val="tx1"/>
+                </a:solidFill>
+                <a:effectLst/>
+                <a:latin typeface="+mn-lt"/>
+                <a:ea typeface="+mn-ea"/>
+                <a:cs typeface="+mn-cs"/>
+              </a:rPr>
+              <a:t>(</a:t>
+            </a:r>
+            <a:r>
+              <a:rPr lang="en-US" sz="1200" b="0" i="0" kern="1200" dirty="0" smtClean="0">
+                <a:solidFill>
+                  <a:schemeClr val="tx1"/>
+                </a:solidFill>
+                <a:effectLst/>
+                <a:latin typeface="+mn-lt"/>
+                <a:ea typeface="+mn-ea"/>
+                <a:cs typeface="+mn-cs"/>
+              </a:rPr>
+              <a:t>string message</a:t>
+            </a:r>
+            <a:r>
+              <a:rPr lang="en-US" sz="1200" b="1" i="0" kern="1200" dirty="0" smtClean="0">
+                <a:solidFill>
+                  <a:schemeClr val="tx1"/>
+                </a:solidFill>
+                <a:effectLst/>
+                <a:latin typeface="+mn-lt"/>
+                <a:ea typeface="+mn-ea"/>
+                <a:cs typeface="+mn-cs"/>
+              </a:rPr>
+              <a:t>)</a:t>
+            </a:r>
+            <a:endParaRPr lang="en-US" sz="1200" b="0" i="0" kern="1200" dirty="0" smtClean="0">
+              <a:solidFill>
+                <a:schemeClr val="tx1"/>
+              </a:solidFill>
+              <a:effectLst/>
+              <a:latin typeface="+mn-lt"/>
+              <a:ea typeface="+mn-ea"/>
+              <a:cs typeface="+mn-cs"/>
+            </a:endParaRPr>
+          </a:p>
+          <a:p>
+            <a:pPr fontAlgn="base"/>
+            <a:r>
+              <a:rPr lang="en-US" sz="1200" b="1" i="0" kern="1200" dirty="0" smtClean="0">
+                <a:solidFill>
+                  <a:schemeClr val="tx1"/>
+                </a:solidFill>
+                <a:effectLst/>
+                <a:latin typeface="+mn-lt"/>
+                <a:ea typeface="+mn-ea"/>
+                <a:cs typeface="+mn-cs"/>
+              </a:rPr>
+              <a:t>{</a:t>
+            </a:r>
+            <a:endParaRPr lang="en-US" sz="1200" b="0" i="0" kern="1200" dirty="0" smtClean="0">
+              <a:solidFill>
+                <a:schemeClr val="tx1"/>
+              </a:solidFill>
+              <a:effectLst/>
+              <a:latin typeface="+mn-lt"/>
+              <a:ea typeface="+mn-ea"/>
+              <a:cs typeface="+mn-cs"/>
+            </a:endParaRPr>
+          </a:p>
+          <a:p>
+            <a:pPr fontAlgn="base"/>
+            <a:r>
+              <a:rPr lang="en-US" sz="1200" b="0" i="0" kern="1200" dirty="0" err="1" smtClean="0">
+                <a:solidFill>
+                  <a:schemeClr val="tx1"/>
+                </a:solidFill>
+                <a:effectLst/>
+                <a:latin typeface="+mn-lt"/>
+                <a:ea typeface="+mn-ea"/>
+                <a:cs typeface="+mn-cs"/>
+              </a:rPr>
+              <a:t>Console.WriteLine</a:t>
+            </a:r>
+            <a:r>
+              <a:rPr lang="en-US" sz="1200" b="1" i="0" kern="1200" dirty="0" smtClean="0">
+                <a:solidFill>
+                  <a:schemeClr val="tx1"/>
+                </a:solidFill>
+                <a:effectLst/>
+                <a:latin typeface="+mn-lt"/>
+                <a:ea typeface="+mn-ea"/>
+                <a:cs typeface="+mn-cs"/>
+              </a:rPr>
+              <a:t>(</a:t>
+            </a:r>
+            <a:r>
+              <a:rPr lang="en-US" sz="1200" b="0" i="0" kern="1200" dirty="0" smtClean="0">
+                <a:solidFill>
+                  <a:schemeClr val="tx1"/>
+                </a:solidFill>
+                <a:effectLst/>
+                <a:latin typeface="+mn-lt"/>
+                <a:ea typeface="+mn-ea"/>
+                <a:cs typeface="+mn-cs"/>
+              </a:rPr>
+              <a:t>message</a:t>
+            </a:r>
+            <a:r>
+              <a:rPr lang="en-US" sz="1200" b="1" i="0" kern="1200" dirty="0" smtClean="0">
+                <a:solidFill>
+                  <a:schemeClr val="tx1"/>
+                </a:solidFill>
+                <a:effectLst/>
+                <a:latin typeface="+mn-lt"/>
+                <a:ea typeface="+mn-ea"/>
+                <a:cs typeface="+mn-cs"/>
+              </a:rPr>
+              <a:t>)</a:t>
+            </a:r>
+            <a:r>
+              <a:rPr lang="en-US" sz="1200" b="0" i="0" kern="1200" dirty="0" smtClean="0">
+                <a:solidFill>
+                  <a:schemeClr val="tx1"/>
+                </a:solidFill>
+                <a:effectLst/>
+                <a:latin typeface="+mn-lt"/>
+                <a:ea typeface="+mn-ea"/>
+                <a:cs typeface="+mn-cs"/>
+              </a:rPr>
+              <a:t>;</a:t>
+            </a:r>
+          </a:p>
+          <a:p>
+            <a:pPr fontAlgn="base"/>
+            <a:r>
+              <a:rPr lang="en-US" sz="1200" b="1" i="0" kern="1200" dirty="0" smtClean="0">
+                <a:solidFill>
+                  <a:schemeClr val="tx1"/>
+                </a:solidFill>
+                <a:effectLst/>
+                <a:latin typeface="+mn-lt"/>
+                <a:ea typeface="+mn-ea"/>
+                <a:cs typeface="+mn-cs"/>
+              </a:rPr>
+              <a:t>}</a:t>
+            </a:r>
+            <a:endParaRPr lang="en-US" sz="1200" b="0" i="0" kern="1200" dirty="0" smtClean="0">
+              <a:solidFill>
+                <a:schemeClr val="tx1"/>
+              </a:solidFill>
+              <a:effectLst/>
+              <a:latin typeface="+mn-lt"/>
+              <a:ea typeface="+mn-ea"/>
+              <a:cs typeface="+mn-cs"/>
+            </a:endParaRPr>
+          </a:p>
+          <a:p>
+            <a:pPr fontAlgn="base"/>
+            <a:r>
+              <a:rPr lang="en-US" sz="1200" b="1" i="0" kern="1200" dirty="0" smtClean="0">
+                <a:solidFill>
+                  <a:schemeClr val="tx1"/>
+                </a:solidFill>
+                <a:effectLst/>
+                <a:latin typeface="+mn-lt"/>
+                <a:ea typeface="+mn-ea"/>
+                <a:cs typeface="+mn-cs"/>
+              </a:rPr>
+              <a:t>}</a:t>
+            </a:r>
+            <a:endParaRPr lang="en-US" sz="1200" b="0" i="0" kern="1200" dirty="0" smtClean="0">
+              <a:solidFill>
+                <a:schemeClr val="tx1"/>
+              </a:solidFill>
+              <a:effectLst/>
+              <a:latin typeface="+mn-lt"/>
+              <a:ea typeface="+mn-ea"/>
+              <a:cs typeface="+mn-cs"/>
+            </a:endParaRPr>
+          </a:p>
+          <a:p>
+            <a:pPr fontAlgn="base"/>
+            <a:r>
+              <a:rPr lang="en-US" sz="1200" b="1" i="0" kern="1200" dirty="0" smtClean="0">
+                <a:solidFill>
+                  <a:schemeClr val="tx1"/>
+                </a:solidFill>
+                <a:effectLst/>
+                <a:latin typeface="+mn-lt"/>
+                <a:ea typeface="+mn-ea"/>
+                <a:cs typeface="+mn-cs"/>
+              </a:rPr>
+              <a:t>public</a:t>
+            </a:r>
+            <a:r>
+              <a:rPr lang="en-US" sz="1200" b="0" i="0" kern="1200" dirty="0" smtClean="0">
+                <a:solidFill>
+                  <a:schemeClr val="tx1"/>
+                </a:solidFill>
+                <a:effectLst/>
+                <a:latin typeface="+mn-lt"/>
+                <a:ea typeface="+mn-ea"/>
+                <a:cs typeface="+mn-cs"/>
+              </a:rPr>
+              <a:t> </a:t>
+            </a:r>
+            <a:r>
+              <a:rPr lang="en-US" sz="1200" b="1" i="0" kern="1200" dirty="0" smtClean="0">
+                <a:solidFill>
+                  <a:schemeClr val="tx1"/>
+                </a:solidFill>
+                <a:effectLst/>
+                <a:latin typeface="+mn-lt"/>
+                <a:ea typeface="+mn-ea"/>
+                <a:cs typeface="+mn-cs"/>
+              </a:rPr>
+              <a:t>class</a:t>
+            </a:r>
+            <a:r>
+              <a:rPr lang="en-US" sz="1200" b="0" i="0" kern="1200" dirty="0" smtClean="0">
+                <a:solidFill>
+                  <a:schemeClr val="tx1"/>
+                </a:solidFill>
+                <a:effectLst/>
+                <a:latin typeface="+mn-lt"/>
+                <a:ea typeface="+mn-ea"/>
+                <a:cs typeface="+mn-cs"/>
+              </a:rPr>
+              <a:t> </a:t>
+            </a:r>
+            <a:r>
+              <a:rPr lang="en-US" sz="1200" b="0" i="0" kern="1200" dirty="0" err="1" smtClean="0">
+                <a:solidFill>
+                  <a:schemeClr val="tx1"/>
+                </a:solidFill>
+                <a:effectLst/>
+                <a:latin typeface="+mn-lt"/>
+                <a:ea typeface="+mn-ea"/>
+                <a:cs typeface="+mn-cs"/>
+              </a:rPr>
+              <a:t>DerivedSingleton</a:t>
+            </a:r>
+            <a:r>
+              <a:rPr lang="en-US" sz="1200" b="0" i="0" kern="1200" dirty="0" smtClean="0">
+                <a:solidFill>
+                  <a:schemeClr val="tx1"/>
+                </a:solidFill>
+                <a:effectLst/>
+                <a:latin typeface="+mn-lt"/>
+                <a:ea typeface="+mn-ea"/>
+                <a:cs typeface="+mn-cs"/>
+              </a:rPr>
+              <a:t> : Singleton</a:t>
+            </a:r>
+          </a:p>
+          <a:p>
+            <a:pPr fontAlgn="base"/>
+            <a:r>
+              <a:rPr lang="en-US" sz="1200" b="1" i="0" kern="1200" dirty="0" smtClean="0">
+                <a:solidFill>
+                  <a:schemeClr val="tx1"/>
+                </a:solidFill>
+                <a:effectLst/>
+                <a:latin typeface="+mn-lt"/>
+                <a:ea typeface="+mn-ea"/>
+                <a:cs typeface="+mn-cs"/>
+              </a:rPr>
+              <a:t>{</a:t>
+            </a:r>
+            <a:endParaRPr lang="en-US" sz="1200" b="0" i="0" kern="1200" dirty="0" smtClean="0">
+              <a:solidFill>
+                <a:schemeClr val="tx1"/>
+              </a:solidFill>
+              <a:effectLst/>
+              <a:latin typeface="+mn-lt"/>
+              <a:ea typeface="+mn-ea"/>
+              <a:cs typeface="+mn-cs"/>
+            </a:endParaRPr>
+          </a:p>
+          <a:p>
+            <a:pPr fontAlgn="base"/>
+            <a:r>
+              <a:rPr lang="en-US" sz="1200" b="1" i="0" kern="1200" dirty="0" smtClean="0">
+                <a:solidFill>
+                  <a:schemeClr val="tx1"/>
+                </a:solidFill>
+                <a:effectLst/>
+                <a:latin typeface="+mn-lt"/>
+                <a:ea typeface="+mn-ea"/>
+                <a:cs typeface="+mn-cs"/>
+              </a:rPr>
+              <a:t>}</a:t>
+            </a:r>
+            <a:endParaRPr lang="en-US" sz="1200" b="0" i="0" kern="1200" dirty="0" smtClean="0">
+              <a:solidFill>
+                <a:schemeClr val="tx1"/>
+              </a:solidFill>
+              <a:effectLst/>
+              <a:latin typeface="+mn-lt"/>
+              <a:ea typeface="+mn-ea"/>
+              <a:cs typeface="+mn-cs"/>
+            </a:endParaRPr>
+          </a:p>
+          <a:p>
+            <a:pPr fontAlgn="base"/>
+            <a:r>
+              <a:rPr lang="en-US" sz="1200" b="1" i="0" kern="1200" dirty="0" smtClean="0">
+                <a:solidFill>
+                  <a:schemeClr val="tx1"/>
+                </a:solidFill>
+                <a:effectLst/>
+                <a:latin typeface="+mn-lt"/>
+                <a:ea typeface="+mn-ea"/>
+                <a:cs typeface="+mn-cs"/>
+              </a:rPr>
+              <a:t>}</a:t>
+            </a:r>
+            <a:endParaRPr lang="en-US" sz="1200" b="0" i="0" kern="1200" dirty="0" smtClean="0">
+              <a:solidFill>
+                <a:schemeClr val="tx1"/>
+              </a:solidFill>
+              <a:effectLst/>
+              <a:latin typeface="+mn-lt"/>
+              <a:ea typeface="+mn-ea"/>
+              <a:cs typeface="+mn-cs"/>
+            </a:endParaRPr>
+          </a:p>
+          <a:p>
+            <a:endParaRPr lang="en-US" dirty="0"/>
+          </a:p>
+        </p:txBody>
+      </p:sp>
+      <p:sp>
+        <p:nvSpPr>
+          <p:cNvPr id="4" name="Slide Number Placeholder 3"/>
+          <p:cNvSpPr>
+            <a:spLocks noGrp="1"/>
+          </p:cNvSpPr>
+          <p:nvPr>
+            <p:ph type="sldNum" sz="quarter" idx="10"/>
+          </p:nvPr>
+        </p:nvSpPr>
+        <p:spPr/>
+        <p:txBody>
+          <a:bodyPr/>
+          <a:lstStyle/>
+          <a:p>
+            <a:fld id="{F30427FA-AB51-4BF4-96AE-5C79808AE708}" type="slidenum">
+              <a:rPr lang="en-US" smtClean="0"/>
+              <a:t>13</a:t>
+            </a:fld>
+            <a:endParaRPr lang="en-US"/>
+          </a:p>
+        </p:txBody>
+      </p:sp>
+    </p:spTree>
+    <p:extLst>
+      <p:ext uri="{BB962C8B-B14F-4D97-AF65-F5344CB8AC3E}">
+        <p14:creationId xmlns:p14="http://schemas.microsoft.com/office/powerpoint/2010/main" val="37290116"/>
+      </p:ext>
+    </p:extLst>
+  </p:cSld>
+  <p:clrMapOvr>
+    <a:masterClrMapping/>
+  </p:clrMapOvr>
+</p:notes>
+</file>
+
 <file path=ppt/slideLayouts/slideLayout1.xml><?xml version="1.0" encoding="utf-8"?>
 <p:sldLayout xmlns:a="http://schemas.openxmlformats.org/drawingml/2006/main" xmlns:r="http://schemas.openxmlformats.org/officeDocument/2006/relationships" xmlns:p="http://schemas.openxmlformats.org/presentationml/2006/main" type="title" preserve="1">
   <p:cSld name="Title Slide">
@@ -299,7 +1935,7 @@
           <a:p>
             <a:fld id="{8A1A7000-88B5-4B85-81D3-0CCD483342B3}" type="datetimeFigureOut">
               <a:rPr lang="en-US" smtClean="0"/>
-              <a:t>8/26/2020</a:t>
+              <a:t>9/2/2020</a:t>
             </a:fld>
             <a:endParaRPr lang="en-US"/>
           </a:p>
@@ -469,7 +2105,7 @@
           <a:p>
             <a:fld id="{8A1A7000-88B5-4B85-81D3-0CCD483342B3}" type="datetimeFigureOut">
               <a:rPr lang="en-US" smtClean="0"/>
-              <a:t>8/26/2020</a:t>
+              <a:t>9/2/2020</a:t>
             </a:fld>
             <a:endParaRPr lang="en-US"/>
           </a:p>
@@ -649,7 +2285,7 @@
           <a:p>
             <a:fld id="{8A1A7000-88B5-4B85-81D3-0CCD483342B3}" type="datetimeFigureOut">
               <a:rPr lang="en-US" smtClean="0"/>
-              <a:t>8/26/2020</a:t>
+              <a:t>9/2/2020</a:t>
             </a:fld>
             <a:endParaRPr lang="en-US"/>
           </a:p>
@@ -819,7 +2455,7 @@
           <a:p>
             <a:fld id="{8A1A7000-88B5-4B85-81D3-0CCD483342B3}" type="datetimeFigureOut">
               <a:rPr lang="en-US" smtClean="0"/>
-              <a:t>8/26/2020</a:t>
+              <a:t>9/2/2020</a:t>
             </a:fld>
             <a:endParaRPr lang="en-US"/>
           </a:p>
@@ -1065,7 +2701,7 @@
           <a:p>
             <a:fld id="{8A1A7000-88B5-4B85-81D3-0CCD483342B3}" type="datetimeFigureOut">
               <a:rPr lang="en-US" smtClean="0"/>
-              <a:t>8/26/2020</a:t>
+              <a:t>9/2/2020</a:t>
             </a:fld>
             <a:endParaRPr lang="en-US"/>
           </a:p>
@@ -1353,7 +2989,7 @@
           <a:p>
             <a:fld id="{8A1A7000-88B5-4B85-81D3-0CCD483342B3}" type="datetimeFigureOut">
               <a:rPr lang="en-US" smtClean="0"/>
-              <a:t>8/26/2020</a:t>
+              <a:t>9/2/2020</a:t>
             </a:fld>
             <a:endParaRPr lang="en-US"/>
           </a:p>
@@ -1775,7 +3411,7 @@
           <a:p>
             <a:fld id="{8A1A7000-88B5-4B85-81D3-0CCD483342B3}" type="datetimeFigureOut">
               <a:rPr lang="en-US" smtClean="0"/>
-              <a:t>8/26/2020</a:t>
+              <a:t>9/2/2020</a:t>
             </a:fld>
             <a:endParaRPr lang="en-US"/>
           </a:p>
@@ -1893,7 +3529,7 @@
           <a:p>
             <a:fld id="{8A1A7000-88B5-4B85-81D3-0CCD483342B3}" type="datetimeFigureOut">
               <a:rPr lang="en-US" smtClean="0"/>
-              <a:t>8/26/2020</a:t>
+              <a:t>9/2/2020</a:t>
             </a:fld>
             <a:endParaRPr lang="en-US"/>
           </a:p>
@@ -1988,7 +3624,7 @@
           <a:p>
             <a:fld id="{8A1A7000-88B5-4B85-81D3-0CCD483342B3}" type="datetimeFigureOut">
               <a:rPr lang="en-US" smtClean="0"/>
-              <a:t>8/26/2020</a:t>
+              <a:t>9/2/2020</a:t>
             </a:fld>
             <a:endParaRPr lang="en-US"/>
           </a:p>
@@ -2265,7 +3901,7 @@
           <a:p>
             <a:fld id="{8A1A7000-88B5-4B85-81D3-0CCD483342B3}" type="datetimeFigureOut">
               <a:rPr lang="en-US" smtClean="0"/>
-              <a:t>8/26/2020</a:t>
+              <a:t>9/2/2020</a:t>
             </a:fld>
             <a:endParaRPr lang="en-US"/>
           </a:p>
@@ -2518,7 +4154,7 @@
           <a:p>
             <a:fld id="{8A1A7000-88B5-4B85-81D3-0CCD483342B3}" type="datetimeFigureOut">
               <a:rPr lang="en-US" smtClean="0"/>
-              <a:t>8/26/2020</a:t>
+              <a:t>9/2/2020</a:t>
             </a:fld>
             <a:endParaRPr lang="en-US"/>
           </a:p>
@@ -2731,7 +4367,7 @@
           <a:p>
             <a:fld id="{8A1A7000-88B5-4B85-81D3-0CCD483342B3}" type="datetimeFigureOut">
               <a:rPr lang="en-US" smtClean="0"/>
-              <a:t>8/26/2020</a:t>
+              <a:t>9/2/2020</a:t>
             </a:fld>
             <a:endParaRPr lang="en-US"/>
           </a:p>
@@ -3845,6 +5481,180 @@
 </p:sld>
 </file>
 
+<file path=ppt/slides/slide13.xml><?xml version="1.0" encoding="utf-8"?>
+<p:sld xmlns:a="http://schemas.openxmlformats.org/drawingml/2006/main" xmlns:r="http://schemas.openxmlformats.org/officeDocument/2006/relationships" xmlns:p="http://schemas.openxmlformats.org/presentationml/2006/main">
+  <p:cSld>
+    <p:spTree>
+      <p:nvGrpSpPr>
+        <p:cNvPr id="1" name=""/>
+        <p:cNvGrpSpPr/>
+        <p:nvPr/>
+      </p:nvGrpSpPr>
+      <p:grpSpPr>
+        <a:xfrm>
+          <a:off x="0" y="0"/>
+          <a:ext cx="0" cy="0"/>
+          <a:chOff x="0" y="0"/>
+          <a:chExt cx="0" cy="0"/>
+        </a:xfrm>
+      </p:grpSpPr>
+      <p:sp>
+        <p:nvSpPr>
+          <p:cNvPr id="2" name="Rectangle 1"/>
+          <p:cNvSpPr/>
+          <p:nvPr/>
+        </p:nvSpPr>
+        <p:spPr>
+          <a:xfrm>
+            <a:off x="304800" y="228601"/>
+            <a:ext cx="8458200" cy="3416320"/>
+          </a:xfrm>
+          <a:prstGeom prst="rect">
+            <a:avLst/>
+          </a:prstGeom>
+        </p:spPr>
+        <p:txBody>
+          <a:bodyPr wrap="square">
+            <a:spAutoFit/>
+          </a:bodyPr>
+          <a:lstStyle/>
+          <a:p>
+            <a:r>
+              <a:rPr lang="en-US" b="1" dirty="0"/>
+              <a:t>Sealed Class:</a:t>
+            </a:r>
+            <a:r>
+              <a:rPr lang="en-US" dirty="0"/>
+              <a:t/>
+            </a:r>
+            <a:br>
+              <a:rPr lang="en-US" dirty="0"/>
+            </a:br>
+            <a:r>
+              <a:rPr lang="en-US" dirty="0"/>
+              <a:t/>
+            </a:r>
+            <a:br>
+              <a:rPr lang="en-US" dirty="0"/>
+            </a:br>
+            <a:r>
+              <a:rPr lang="en-US" dirty="0"/>
+              <a:t>1. A class, which restricts inheritance for security reason is declared, sealed class.</a:t>
+            </a:r>
+            <a:r>
+              <a:rPr lang="en-US" dirty="0"/>
+              <a:t/>
+            </a:r>
+            <a:br>
+              <a:rPr lang="en-US" dirty="0"/>
+            </a:br>
+            <a:r>
+              <a:rPr lang="en-US" dirty="0"/>
+              <a:t>2. Sealed class is the last class in the hierarchy.</a:t>
+            </a:r>
+            <a:r>
+              <a:rPr lang="en-US" dirty="0"/>
+              <a:t/>
+            </a:r>
+            <a:br>
+              <a:rPr lang="en-US" dirty="0"/>
+            </a:br>
+            <a:r>
+              <a:rPr lang="en-US" dirty="0"/>
+              <a:t>3. Sealed class can be a derived class but can't be a base class.</a:t>
+            </a:r>
+            <a:r>
+              <a:rPr lang="en-US" dirty="0"/>
+              <a:t/>
+            </a:r>
+            <a:br>
+              <a:rPr lang="en-US" dirty="0"/>
+            </a:br>
+            <a:r>
+              <a:rPr lang="en-US" dirty="0"/>
+              <a:t>4. A sealed class cannot also be an abstract class. Because abstract class has to provide functionality and here we are restricting it to inherit</a:t>
+            </a:r>
+            <a:r>
+              <a:rPr lang="en-US" dirty="0" smtClean="0"/>
+              <a:t>.</a:t>
+            </a:r>
+          </a:p>
+          <a:p>
+            <a:endParaRPr lang="en-US" dirty="0"/>
+          </a:p>
+          <a:p>
+            <a:r>
+              <a:rPr lang="en-US" b="1" dirty="0"/>
+              <a:t>Why Singleton Class sealed in C</a:t>
+            </a:r>
+            <a:r>
+              <a:rPr lang="en-US" b="1" dirty="0" smtClean="0"/>
+              <a:t>#</a:t>
+            </a:r>
+          </a:p>
+          <a:p>
+            <a:endParaRPr lang="en-US" b="1" dirty="0" smtClean="0"/>
+          </a:p>
+          <a:p>
+            <a:r>
+              <a:rPr lang="en-US" dirty="0" smtClean="0"/>
+              <a:t>Please refer the link to understand more about this.</a:t>
+            </a:r>
+          </a:p>
+          <a:p>
+            <a:r>
+              <a:rPr lang="en-US" dirty="0">
+                <a:hlinkClick r:id="rId3"/>
+              </a:rPr>
+              <a:t>https://dotnettutorials.net/lesson/singleton-class-sealed/</a:t>
+            </a:r>
+            <a:endParaRPr lang="en-US" dirty="0"/>
+          </a:p>
+        </p:txBody>
+      </p:sp>
+    </p:spTree>
+    <p:extLst>
+      <p:ext uri="{BB962C8B-B14F-4D97-AF65-F5344CB8AC3E}">
+        <p14:creationId xmlns:p14="http://schemas.microsoft.com/office/powerpoint/2010/main" val="3319131525"/>
+      </p:ext>
+    </p:extLst>
+  </p:cSld>
+  <p:clrMapOvr>
+    <a:masterClrMapping/>
+  </p:clrMapOvr>
+</p:sld>
+</file>
+
+<file path=ppt/slides/slide14.xml><?xml version="1.0" encoding="utf-8"?>
+<p:sld xmlns:a="http://schemas.openxmlformats.org/drawingml/2006/main" xmlns:r="http://schemas.openxmlformats.org/officeDocument/2006/relationships" xmlns:p="http://schemas.openxmlformats.org/presentationml/2006/main">
+  <p:cSld>
+    <p:spTree>
+      <p:nvGrpSpPr>
+        <p:cNvPr id="1" name=""/>
+        <p:cNvGrpSpPr/>
+        <p:nvPr/>
+      </p:nvGrpSpPr>
+      <p:grpSpPr>
+        <a:xfrm>
+          <a:off x="0" y="0"/>
+          <a:ext cx="0" cy="0"/>
+          <a:chOff x="0" y="0"/>
+          <a:chExt cx="0" cy="0"/>
+        </a:xfrm>
+      </p:grpSpPr>
+    </p:spTree>
+    <p:extLst>
+      <p:ext uri="{BB962C8B-B14F-4D97-AF65-F5344CB8AC3E}">
+        <p14:creationId xmlns:p14="http://schemas.microsoft.com/office/powerpoint/2010/main" val="1249710939"/>
+      </p:ext>
+    </p:extLst>
+  </p:cSld>
+  <p:clrMapOvr>
+    <a:masterClrMapping/>
+  </p:clrMapOvr>
+</p:sld>
+</file>
+
 <file path=ppt/slides/slide2.xml><?xml version="1.0" encoding="utf-8"?>
 <p:sld xmlns:a="http://schemas.openxmlformats.org/drawingml/2006/main" xmlns:r="http://schemas.openxmlformats.org/officeDocument/2006/relationships" xmlns:p="http://schemas.openxmlformats.org/presentationml/2006/main">
   <p:cSld>
@@ -5210,4 +7020,289 @@
   <a:objectDefaults/>
   <a:extraClrSchemeLst/>
 </a:theme>
+</file>
+
+<file path=ppt/theme/theme2.xml><?xml version="1.0" encoding="utf-8"?>
+<a:theme xmlns:a="http://schemas.openxmlformats.org/drawingml/2006/main" name="Office Theme">
+  <a:themeElements>
+    <a:clrScheme name="Office">
+      <a:dk1>
+        <a:sysClr val="windowText" lastClr="000000"/>
+      </a:dk1>
+      <a:lt1>
+        <a:sysClr val="window" lastClr="FFFFFF"/>
+      </a:lt1>
+      <a:dk2>
+        <a:srgbClr val="1F497D"/>
+      </a:dk2>
+      <a:lt2>
+        <a:srgbClr val="EEECE1"/>
+      </a:lt2>
+      <a:accent1>
+        <a:srgbClr val="4F81BD"/>
+      </a:accent1>
+      <a:accent2>
+        <a:srgbClr val="C0504D"/>
+      </a:accent2>
+      <a:accent3>
+        <a:srgbClr val="9BBB59"/>
+      </a:accent3>
+      <a:accent4>
+        <a:srgbClr val="8064A2"/>
+      </a:accent4>
+      <a:accent5>
+        <a:srgbClr val="4BACC6"/>
+      </a:accent5>
+      <a:accent6>
+        <a:srgbClr val="F79646"/>
+      </a:accent6>
+      <a:hlink>
+        <a:srgbClr val="0000FF"/>
+      </a:hlink>
+      <a:folHlink>
+        <a:srgbClr val="800080"/>
+      </a:folHlink>
+    </a:clrScheme>
+    <a:fontScheme name="Office">
+      <a:majorFont>
+        <a:latin typeface="Calibri"/>
+        <a:ea typeface=""/>
+        <a:cs typeface=""/>
+        <a:font script="Jpan" typeface="ＭＳ Ｐゴシック"/>
+        <a:font script="Hang" typeface="맑은 고딕"/>
+        <a:font script="Hans" typeface="宋体"/>
+        <a:font script="Hant" typeface="新細明體"/>
+        <a:font script="Arab" typeface="Times New Roman"/>
+        <a:font script="Hebr" typeface="Times New Roman"/>
+        <a:font script="Thai" typeface="Angsana New"/>
+        <a:font script="Ethi" typeface="Nyala"/>
+        <a:font script="Beng" typeface="Vrinda"/>
+        <a:font script="Gujr" typeface="Shruti"/>
+        <a:font script="Khmr" typeface="MoolBoran"/>
+        <a:font script="Knda" typeface="Tunga"/>
+        <a:font script="Guru" typeface="Raavi"/>
+        <a:font script="Cans" typeface="Euphemia"/>
+        <a:font script="Cher" typeface="Plantagenet Cherokee"/>
+        <a:font script="Yiii" typeface="Microsoft Yi Baiti"/>
+        <a:font script="Tibt" typeface="Microsoft Himalaya"/>
+        <a:font script="Thaa" typeface="MV Boli"/>
+        <a:font script="Deva" typeface="Mangal"/>
+        <a:font script="Telu" typeface="Gautami"/>
+        <a:font script="Taml" typeface="Latha"/>
+        <a:font script="Syrc" typeface="Estrangelo Edessa"/>
+        <a:font script="Orya" typeface="Kalinga"/>
+        <a:font script="Mlym" typeface="Kartika"/>
+        <a:font script="Laoo" typeface="DokChampa"/>
+        <a:font script="Sinh" typeface="Iskoola Pota"/>
+        <a:font script="Mong" typeface="Mongolian Baiti"/>
+        <a:font script="Viet" typeface="Times New Roman"/>
+        <a:font script="Uigh" typeface="Microsoft Uighur"/>
+        <a:font script="Geor" typeface="Sylfaen"/>
+      </a:majorFont>
+      <a:minorFont>
+        <a:latin typeface="Calibri"/>
+        <a:ea typeface=""/>
+        <a:cs typeface=""/>
+        <a:font script="Jpan" typeface="ＭＳ Ｐゴシック"/>
+        <a:font script="Hang" typeface="맑은 고딕"/>
+        <a:font script="Hans" typeface="宋体"/>
+        <a:font script="Hant" typeface="新細明體"/>
+        <a:font script="Arab" typeface="Arial"/>
+        <a:font script="Hebr" typeface="Arial"/>
+        <a:font script="Thai" typeface="Cordia New"/>
+        <a:font script="Ethi" typeface="Nyala"/>
+        <a:font script="Beng" typeface="Vrinda"/>
+        <a:font script="Gujr" typeface="Shruti"/>
+        <a:font script="Khmr" typeface="DaunPenh"/>
+        <a:font script="Knda" typeface="Tunga"/>
+        <a:font script="Guru" typeface="Raavi"/>
+        <a:font script="Cans" typeface="Euphemia"/>
+        <a:font script="Cher" typeface="Plantagenet Cherokee"/>
+        <a:font script="Yiii" typeface="Microsoft Yi Baiti"/>
+        <a:font script="Tibt" typeface="Microsoft Himalaya"/>
+        <a:font script="Thaa" typeface="MV Boli"/>
+        <a:font script="Deva" typeface="Mangal"/>
+        <a:font script="Telu" typeface="Gautami"/>
+        <a:font script="Taml" typeface="Latha"/>
+        <a:font script="Syrc" typeface="Estrangelo Edessa"/>
+        <a:font script="Orya" typeface="Kalinga"/>
+        <a:font script="Mlym" typeface="Kartika"/>
+        <a:font script="Laoo" typeface="DokChampa"/>
+        <a:font script="Sinh" typeface="Iskoola Pota"/>
+        <a:font script="Mong" typeface="Mongolian Baiti"/>
+        <a:font script="Viet" typeface="Arial"/>
+        <a:font script="Uigh" typeface="Microsoft Uighur"/>
+        <a:font script="Geor" typeface="Sylfaen"/>
+      </a:minorFont>
+    </a:fontScheme>
+    <a:fmtScheme name="Office">
+      <a:fillStyleLst>
+        <a:solidFill>
+          <a:schemeClr val="phClr"/>
+        </a:solidFill>
+        <a:gradFill rotWithShape="1">
+          <a:gsLst>
+            <a:gs pos="0">
+              <a:schemeClr val="phClr">
+                <a:tint val="50000"/>
+                <a:satMod val="300000"/>
+              </a:schemeClr>
+            </a:gs>
+            <a:gs pos="35000">
+              <a:schemeClr val="phClr">
+                <a:tint val="37000"/>
+                <a:satMod val="300000"/>
+              </a:schemeClr>
+            </a:gs>
+            <a:gs pos="100000">
+              <a:schemeClr val="phClr">
+                <a:tint val="15000"/>
+                <a:satMod val="350000"/>
+              </a:schemeClr>
+            </a:gs>
+          </a:gsLst>
+          <a:lin ang="16200000" scaled="1"/>
+        </a:gradFill>
+        <a:gradFill rotWithShape="1">
+          <a:gsLst>
+            <a:gs pos="0">
+              <a:schemeClr val="phClr">
+                <a:shade val="51000"/>
+                <a:satMod val="130000"/>
+              </a:schemeClr>
+            </a:gs>
+            <a:gs pos="80000">
+              <a:schemeClr val="phClr">
+                <a:shade val="93000"/>
+                <a:satMod val="130000"/>
+              </a:schemeClr>
+            </a:gs>
+            <a:gs pos="100000">
+              <a:schemeClr val="phClr">
+                <a:shade val="94000"/>
+                <a:satMod val="135000"/>
+              </a:schemeClr>
+            </a:gs>
+          </a:gsLst>
+          <a:lin ang="16200000" scaled="0"/>
+        </a:gradFill>
+      </a:fillStyleLst>
+      <a:lnStyleLst>
+        <a:ln w="9525" cap="flat" cmpd="sng" algn="ctr">
+          <a:solidFill>
+            <a:schemeClr val="phClr">
+              <a:shade val="95000"/>
+              <a:satMod val="105000"/>
+            </a:schemeClr>
+          </a:solidFill>
+          <a:prstDash val="solid"/>
+        </a:ln>
+        <a:ln w="25400" cap="flat" cmpd="sng" algn="ctr">
+          <a:solidFill>
+            <a:schemeClr val="phClr"/>
+          </a:solidFill>
+          <a:prstDash val="solid"/>
+        </a:ln>
+        <a:ln w="38100" cap="flat" cmpd="sng" algn="ctr">
+          <a:solidFill>
+            <a:schemeClr val="phClr"/>
+          </a:solidFill>
+          <a:prstDash val="solid"/>
+        </a:ln>
+      </a:lnStyleLst>
+      <a:effectStyleLst>
+        <a:effectStyle>
+          <a:effectLst>
+            <a:outerShdw blurRad="40000" dist="20000" dir="5400000" rotWithShape="0">
+              <a:srgbClr val="000000">
+                <a:alpha val="38000"/>
+              </a:srgbClr>
+            </a:outerShdw>
+          </a:effectLst>
+        </a:effectStyle>
+        <a:effectStyle>
+          <a:effectLst>
+            <a:outerShdw blurRad="40000" dist="23000" dir="5400000" rotWithShape="0">
+              <a:srgbClr val="000000">
+                <a:alpha val="35000"/>
+              </a:srgbClr>
+            </a:outerShdw>
+          </a:effectLst>
+        </a:effectStyle>
+        <a:effectStyle>
+          <a:effectLst>
+            <a:outerShdw blurRad="40000" dist="23000" dir="5400000" rotWithShape="0">
+              <a:srgbClr val="000000">
+                <a:alpha val="35000"/>
+              </a:srgbClr>
+            </a:outerShdw>
+          </a:effectLst>
+          <a:scene3d>
+            <a:camera prst="orthographicFront">
+              <a:rot lat="0" lon="0" rev="0"/>
+            </a:camera>
+            <a:lightRig rig="threePt" dir="t">
+              <a:rot lat="0" lon="0" rev="1200000"/>
+            </a:lightRig>
+          </a:scene3d>
+          <a:sp3d>
+            <a:bevelT w="63500" h="25400"/>
+          </a:sp3d>
+        </a:effectStyle>
+      </a:effectStyleLst>
+      <a:bgFillStyleLst>
+        <a:solidFill>
+          <a:schemeClr val="phClr"/>
+        </a:solidFill>
+        <a:gradFill rotWithShape="1">
+          <a:gsLst>
+            <a:gs pos="0">
+              <a:schemeClr val="phClr">
+                <a:tint val="40000"/>
+                <a:satMod val="350000"/>
+              </a:schemeClr>
+            </a:gs>
+            <a:gs pos="40000">
+              <a:schemeClr val="phClr">
+                <a:tint val="45000"/>
+                <a:shade val="99000"/>
+                <a:satMod val="350000"/>
+              </a:schemeClr>
+            </a:gs>
+            <a:gs pos="100000">
+              <a:schemeClr val="phClr">
+                <a:shade val="20000"/>
+                <a:satMod val="255000"/>
+              </a:schemeClr>
+            </a:gs>
+          </a:gsLst>
+          <a:path path="circle">
+            <a:fillToRect l="50000" t="-80000" r="50000" b="180000"/>
+          </a:path>
+        </a:gradFill>
+        <a:gradFill rotWithShape="1">
+          <a:gsLst>
+            <a:gs pos="0">
+              <a:schemeClr val="phClr">
+                <a:tint val="80000"/>
+                <a:satMod val="300000"/>
+              </a:schemeClr>
+            </a:gs>
+            <a:gs pos="100000">
+              <a:schemeClr val="phClr">
+                <a:shade val="30000"/>
+                <a:satMod val="200000"/>
+              </a:schemeClr>
+            </a:gs>
+          </a:gsLst>
+          <a:path path="circle">
+            <a:fillToRect l="50000" t="50000" r="50000" b="50000"/>
+          </a:path>
+        </a:gradFill>
+      </a:bgFillStyleLst>
+    </a:fmtScheme>
+  </a:themeElements>
+  <a:objectDefaults/>
+  <a:extraClrSchemeLst/>
+</a:theme>
 </file>
--- a/Dotnet_framework.pptx
+++ b/Dotnet_framework.pptx
@@ -5,7 +5,7 @@
     <p:sldMasterId id="2147483648" r:id="rId1"/>
   </p:sldMasterIdLst>
   <p:notesMasterIdLst>
-    <p:notesMasterId r:id="rId16"/>
+    <p:notesMasterId r:id="rId15"/>
   </p:notesMasterIdLst>
   <p:sldIdLst>
     <p:sldId id="256" r:id="rId2"/>
@@ -21,7 +21,6 @@
     <p:sldId id="268" r:id="rId12"/>
     <p:sldId id="269" r:id="rId13"/>
     <p:sldId id="270" r:id="rId14"/>
-    <p:sldId id="271" r:id="rId15"/>
   </p:sldIdLst>
   <p:sldSz cx="9144000" cy="6858000" type="screen4x3"/>
   <p:notesSz cx="6858000" cy="9144000"/>
@@ -5541,10 +5540,6 @@
               <a:rPr lang="en-US" dirty="0"/>
               <a:t>1. A class, which restricts inheritance for security reason is declared, sealed class.</a:t>
             </a:r>
-            <a:r>
-              <a:rPr lang="en-US" dirty="0"/>
-              <a:t/>
-            </a:r>
             <a:br>
               <a:rPr lang="en-US" dirty="0"/>
             </a:br>
@@ -5552,20 +5547,12 @@
               <a:rPr lang="en-US" dirty="0"/>
               <a:t>2. Sealed class is the last class in the hierarchy.</a:t>
             </a:r>
-            <a:r>
-              <a:rPr lang="en-US" dirty="0"/>
-              <a:t/>
-            </a:r>
             <a:br>
               <a:rPr lang="en-US" dirty="0"/>
             </a:br>
             <a:r>
               <a:rPr lang="en-US" dirty="0"/>
               <a:t>3. Sealed class can be a derived class but can't be a base class.</a:t>
-            </a:r>
-            <a:r>
-              <a:rPr lang="en-US" dirty="0"/>
-              <a:t/>
             </a:r>
             <a:br>
               <a:rPr lang="en-US" dirty="0"/>
@@ -5616,36 +5603,6 @@
     <p:extLst>
       <p:ext uri="{BB962C8B-B14F-4D97-AF65-F5344CB8AC3E}">
         <p14:creationId xmlns:p14="http://schemas.microsoft.com/office/powerpoint/2010/main" val="3319131525"/>
-      </p:ext>
-    </p:extLst>
-  </p:cSld>
-  <p:clrMapOvr>
-    <a:masterClrMapping/>
-  </p:clrMapOvr>
-</p:sld>
-</file>
-
-<file path=ppt/slides/slide14.xml><?xml version="1.0" encoding="utf-8"?>
-<p:sld xmlns:a="http://schemas.openxmlformats.org/drawingml/2006/main" xmlns:r="http://schemas.openxmlformats.org/officeDocument/2006/relationships" xmlns:p="http://schemas.openxmlformats.org/presentationml/2006/main">
-  <p:cSld>
-    <p:spTree>
-      <p:nvGrpSpPr>
-        <p:cNvPr id="1" name=""/>
-        <p:cNvGrpSpPr/>
-        <p:nvPr/>
-      </p:nvGrpSpPr>
-      <p:grpSpPr>
-        <a:xfrm>
-          <a:off x="0" y="0"/>
-          <a:ext cx="0" cy="0"/>
-          <a:chOff x="0" y="0"/>
-          <a:chExt cx="0" cy="0"/>
-        </a:xfrm>
-      </p:grpSpPr>
-    </p:spTree>
-    <p:extLst>
-      <p:ext uri="{BB962C8B-B14F-4D97-AF65-F5344CB8AC3E}">
-        <p14:creationId xmlns:p14="http://schemas.microsoft.com/office/powerpoint/2010/main" val="1249710939"/>
       </p:ext>
     </p:extLst>
   </p:cSld>
